--- a/lectures/week_10/Particle filters for Robot Localization.pptx
+++ b/lectures/week_10/Particle filters for Robot Localization.pptx
@@ -5,7 +5,7 @@
     <p:sldMasterId id="2147483648" r:id="rId1"/>
   </p:sldMasterIdLst>
   <p:notesMasterIdLst>
-    <p:notesMasterId r:id="rId43"/>
+    <p:notesMasterId r:id="rId45"/>
   </p:notesMasterIdLst>
   <p:sldIdLst>
     <p:sldId id="256" r:id="rId2"/>
@@ -20,35 +20,37 @@
     <p:sldId id="267" r:id="rId11"/>
     <p:sldId id="268" r:id="rId12"/>
     <p:sldId id="277" r:id="rId13"/>
-    <p:sldId id="272" r:id="rId14"/>
-    <p:sldId id="273" r:id="rId15"/>
-    <p:sldId id="274" r:id="rId16"/>
-    <p:sldId id="275" r:id="rId17"/>
-    <p:sldId id="276" r:id="rId18"/>
-    <p:sldId id="279" r:id="rId19"/>
-    <p:sldId id="280" r:id="rId20"/>
-    <p:sldId id="281" r:id="rId21"/>
-    <p:sldId id="282" r:id="rId22"/>
-    <p:sldId id="283" r:id="rId23"/>
-    <p:sldId id="284" r:id="rId24"/>
-    <p:sldId id="285" r:id="rId25"/>
-    <p:sldId id="286" r:id="rId26"/>
-    <p:sldId id="287" r:id="rId27"/>
-    <p:sldId id="288" r:id="rId28"/>
-    <p:sldId id="289" r:id="rId29"/>
-    <p:sldId id="290" r:id="rId30"/>
-    <p:sldId id="291" r:id="rId31"/>
-    <p:sldId id="292" r:id="rId32"/>
-    <p:sldId id="293" r:id="rId33"/>
-    <p:sldId id="294" r:id="rId34"/>
-    <p:sldId id="295" r:id="rId35"/>
-    <p:sldId id="296" r:id="rId36"/>
-    <p:sldId id="297" r:id="rId37"/>
-    <p:sldId id="298" r:id="rId38"/>
-    <p:sldId id="299" r:id="rId39"/>
-    <p:sldId id="300" r:id="rId40"/>
-    <p:sldId id="301" r:id="rId41"/>
-    <p:sldId id="278" r:id="rId42"/>
+    <p:sldId id="303" r:id="rId14"/>
+    <p:sldId id="272" r:id="rId15"/>
+    <p:sldId id="273" r:id="rId16"/>
+    <p:sldId id="274" r:id="rId17"/>
+    <p:sldId id="275" r:id="rId18"/>
+    <p:sldId id="302" r:id="rId19"/>
+    <p:sldId id="276" r:id="rId20"/>
+    <p:sldId id="279" r:id="rId21"/>
+    <p:sldId id="280" r:id="rId22"/>
+    <p:sldId id="281" r:id="rId23"/>
+    <p:sldId id="282" r:id="rId24"/>
+    <p:sldId id="283" r:id="rId25"/>
+    <p:sldId id="284" r:id="rId26"/>
+    <p:sldId id="285" r:id="rId27"/>
+    <p:sldId id="286" r:id="rId28"/>
+    <p:sldId id="287" r:id="rId29"/>
+    <p:sldId id="288" r:id="rId30"/>
+    <p:sldId id="289" r:id="rId31"/>
+    <p:sldId id="290" r:id="rId32"/>
+    <p:sldId id="291" r:id="rId33"/>
+    <p:sldId id="292" r:id="rId34"/>
+    <p:sldId id="293" r:id="rId35"/>
+    <p:sldId id="294" r:id="rId36"/>
+    <p:sldId id="295" r:id="rId37"/>
+    <p:sldId id="296" r:id="rId38"/>
+    <p:sldId id="297" r:id="rId39"/>
+    <p:sldId id="298" r:id="rId40"/>
+    <p:sldId id="299" r:id="rId41"/>
+    <p:sldId id="300" r:id="rId42"/>
+    <p:sldId id="301" r:id="rId43"/>
+    <p:sldId id="278" r:id="rId44"/>
   </p:sldIdLst>
   <p:sldSz cx="9144000" cy="6858000" type="screen4x3"/>
   <p:notesSz cx="6858000" cy="9144000"/>
@@ -232,7 +234,7 @@
           <a:p>
             <a:fld id="{4AEBE218-B298-4556-BF08-D2AD10A4493E}" type="datetimeFigureOut">
               <a:rPr lang="en-US" smtClean="0"/>
-              <a:t>4/4/2016</a:t>
+              <a:t>4/11/2017</a:t>
             </a:fld>
             <a:endParaRPr lang="en-US"/>
           </a:p>
@@ -638,7 +640,7 @@
             <a:fld id="{2A23DD9F-C664-4368-82FF-089EF2DD36A6}" type="slidenum">
               <a:rPr lang="en-US" altLang="en-US"/>
               <a:pPr/>
-              <a:t>23</a:t>
+              <a:t>25</a:t>
             </a:fld>
             <a:endParaRPr lang="en-US" altLang="en-US"/>
           </a:p>
@@ -731,7 +733,7 @@
             <a:fld id="{293C9CE5-57A3-4511-AAA7-1D3EF2FFEB00}" type="slidenum">
               <a:rPr lang="en-US" altLang="en-US"/>
               <a:pPr/>
-              <a:t>24</a:t>
+              <a:t>26</a:t>
             </a:fld>
             <a:endParaRPr lang="en-US" altLang="en-US"/>
           </a:p>
@@ -824,7 +826,7 @@
             <a:fld id="{03062FD2-04B2-4FAA-82CE-46EAFAD61418}" type="slidenum">
               <a:rPr lang="en-US" altLang="en-US"/>
               <a:pPr/>
-              <a:t>25</a:t>
+              <a:t>27</a:t>
             </a:fld>
             <a:endParaRPr lang="en-US" altLang="en-US"/>
           </a:p>
@@ -917,7 +919,7 @@
             <a:fld id="{879FDBE0-D670-4B83-AF35-B867F5A5E8CD}" type="slidenum">
               <a:rPr lang="en-US" altLang="en-US"/>
               <a:pPr/>
-              <a:t>26</a:t>
+              <a:t>28</a:t>
             </a:fld>
             <a:endParaRPr lang="en-US" altLang="en-US"/>
           </a:p>
@@ -1010,7 +1012,7 @@
             <a:fld id="{4160F457-447C-4650-BAC5-EE7A94B992B2}" type="slidenum">
               <a:rPr lang="en-US" altLang="en-US"/>
               <a:pPr/>
-              <a:t>27</a:t>
+              <a:t>29</a:t>
             </a:fld>
             <a:endParaRPr lang="en-US" altLang="en-US"/>
           </a:p>
@@ -1103,7 +1105,7 @@
             <a:fld id="{9C2FB5BE-30B9-4123-BA47-05C514B70A58}" type="slidenum">
               <a:rPr lang="en-US" altLang="en-US"/>
               <a:pPr/>
-              <a:t>28</a:t>
+              <a:t>30</a:t>
             </a:fld>
             <a:endParaRPr lang="en-US" altLang="en-US"/>
           </a:p>
@@ -1196,7 +1198,7 @@
             <a:fld id="{E3D680D3-AA5D-463A-98AA-A9BCCB1DE8A6}" type="slidenum">
               <a:rPr lang="en-US" altLang="en-US"/>
               <a:pPr/>
-              <a:t>29</a:t>
+              <a:t>31</a:t>
             </a:fld>
             <a:endParaRPr lang="en-US" altLang="en-US"/>
           </a:p>
@@ -1289,7 +1291,7 @@
             <a:fld id="{C984985C-2194-43F3-A1DD-6C21CE7A1CF7}" type="slidenum">
               <a:rPr lang="en-US" altLang="en-US"/>
               <a:pPr/>
-              <a:t>30</a:t>
+              <a:t>32</a:t>
             </a:fld>
             <a:endParaRPr lang="en-US" altLang="en-US"/>
           </a:p>
@@ -1382,7 +1384,7 @@
             <a:fld id="{CA866792-0218-4B5B-BD4F-EC768F3B7ECC}" type="slidenum">
               <a:rPr lang="en-US" altLang="en-US"/>
               <a:pPr/>
-              <a:t>31</a:t>
+              <a:t>33</a:t>
             </a:fld>
             <a:endParaRPr lang="en-US" altLang="en-US"/>
           </a:p>
@@ -1475,7 +1477,7 @@
             <a:fld id="{2F20ED59-39AA-45BB-9C8B-69099628A7A0}" type="slidenum">
               <a:rPr lang="en-US" altLang="en-US"/>
               <a:pPr/>
-              <a:t>32</a:t>
+              <a:t>34</a:t>
             </a:fld>
             <a:endParaRPr lang="en-US" altLang="en-US"/>
           </a:p>
@@ -1578,7 +1580,7 @@
         <p:nvSpPr>
           <p:cNvPr id="1133570" name="Rectangle 2"/>
           <p:cNvSpPr>
-            <a:spLocks noChangeArrowheads="1"/>
+            <a:spLocks noGrp="1" noRot="1" noChangeAspect="1" noChangeArrowheads="1"/>
           </p:cNvSpPr>
           <p:nvPr>
             <p:ph type="sldImg"/>
@@ -1609,7 +1611,7 @@
         <p:nvSpPr>
           <p:cNvPr id="1133571" name="Rectangle 3"/>
           <p:cNvSpPr>
-            <a:spLocks noChangeArrowheads="1"/>
+            <a:spLocks noGrp="1" noChangeArrowheads="1"/>
           </p:cNvSpPr>
           <p:nvPr>
             <p:ph type="body" idx="1"/>
@@ -1688,7 +1690,7 @@
             <a:fld id="{D297242A-DE53-4AB3-8F69-693537C24C27}" type="slidenum">
               <a:rPr lang="en-US" altLang="en-US"/>
               <a:pPr/>
-              <a:t>33</a:t>
+              <a:t>35</a:t>
             </a:fld>
             <a:endParaRPr lang="en-US" altLang="en-US"/>
           </a:p>
@@ -1781,7 +1783,7 @@
             <a:fld id="{89096A93-FCBE-4CAF-8F99-4A602DB24082}" type="slidenum">
               <a:rPr lang="en-US" altLang="en-US"/>
               <a:pPr/>
-              <a:t>34</a:t>
+              <a:t>36</a:t>
             </a:fld>
             <a:endParaRPr lang="en-US" altLang="en-US"/>
           </a:p>
@@ -1874,7 +1876,7 @@
             <a:fld id="{B1805E9A-56F2-4ED3-B096-F9DE84BBBD09}" type="slidenum">
               <a:rPr lang="en-US" altLang="en-US"/>
               <a:pPr/>
-              <a:t>35</a:t>
+              <a:t>37</a:t>
             </a:fld>
             <a:endParaRPr lang="en-US" altLang="en-US"/>
           </a:p>
@@ -1959,8 +1961,8 @@
         </p:nvSpPr>
         <p:spPr>
           <a:xfrm>
-            <a:off x="1714753" y="685800"/>
-            <a:ext cx="3429300" cy="3429000"/>
+            <a:off x="1143000" y="685800"/>
+            <a:ext cx="4572000" cy="3429000"/>
           </a:xfrm>
           <a:custGeom>
             <a:avLst/>
@@ -2270,7 +2272,7 @@
             <a:fld id="{78D9369B-5CE3-4DA8-ACEC-4BB39EE9F2DA}" type="slidenum">
               <a:rPr lang="en-US" altLang="en-US"/>
               <a:pPr/>
-              <a:t>18</a:t>
+              <a:t>20</a:t>
             </a:fld>
             <a:endParaRPr lang="en-US" altLang="en-US"/>
           </a:p>
@@ -2390,7 +2392,7 @@
             <a:fld id="{FB250AD7-823E-4E9A-8B76-D2F51CA57CC2}" type="slidenum">
               <a:rPr lang="en-US" altLang="en-US"/>
               <a:pPr/>
-              <a:t>20</a:t>
+              <a:t>22</a:t>
             </a:fld>
             <a:endParaRPr lang="en-US" altLang="en-US"/>
           </a:p>
@@ -2483,7 +2485,7 @@
             <a:fld id="{66A6FD9A-19A0-4010-8CD5-199A78CFAD0B}" type="slidenum">
               <a:rPr lang="en-US" altLang="en-US"/>
               <a:pPr/>
-              <a:t>21</a:t>
+              <a:t>23</a:t>
             </a:fld>
             <a:endParaRPr lang="en-US" altLang="en-US"/>
           </a:p>
@@ -2576,7 +2578,7 @@
             <a:fld id="{0AE420A7-CD20-4CF7-838D-3FB28A30A085}" type="slidenum">
               <a:rPr lang="en-US" altLang="en-US"/>
               <a:pPr/>
-              <a:t>22</a:t>
+              <a:t>24</a:t>
             </a:fld>
             <a:endParaRPr lang="en-US" altLang="en-US"/>
           </a:p>
@@ -2813,7 +2815,7 @@
           <a:p>
             <a:fld id="{5D908D56-2039-4096-A4DD-0CA54AB46A92}" type="datetimeFigureOut">
               <a:rPr lang="en-US" smtClean="0"/>
-              <a:t>4/4/2016</a:t>
+              <a:t>4/11/2017</a:t>
             </a:fld>
             <a:endParaRPr lang="en-US"/>
           </a:p>
@@ -2983,7 +2985,7 @@
           <a:p>
             <a:fld id="{5D908D56-2039-4096-A4DD-0CA54AB46A92}" type="datetimeFigureOut">
               <a:rPr lang="en-US" smtClean="0"/>
-              <a:t>4/4/2016</a:t>
+              <a:t>4/11/2017</a:t>
             </a:fld>
             <a:endParaRPr lang="en-US"/>
           </a:p>
@@ -3163,7 +3165,7 @@
           <a:p>
             <a:fld id="{5D908D56-2039-4096-A4DD-0CA54AB46A92}" type="datetimeFigureOut">
               <a:rPr lang="en-US" smtClean="0"/>
-              <a:t>4/4/2016</a:t>
+              <a:t>4/11/2017</a:t>
             </a:fld>
             <a:endParaRPr lang="en-US"/>
           </a:p>
@@ -3527,7 +3529,7 @@
           <a:p>
             <a:fld id="{5D908D56-2039-4096-A4DD-0CA54AB46A92}" type="datetimeFigureOut">
               <a:rPr lang="en-US" smtClean="0"/>
-              <a:t>4/4/2016</a:t>
+              <a:t>4/11/2017</a:t>
             </a:fld>
             <a:endParaRPr lang="en-US"/>
           </a:p>
@@ -3773,7 +3775,7 @@
           <a:p>
             <a:fld id="{5D908D56-2039-4096-A4DD-0CA54AB46A92}" type="datetimeFigureOut">
               <a:rPr lang="en-US" smtClean="0"/>
-              <a:t>4/4/2016</a:t>
+              <a:t>4/11/2017</a:t>
             </a:fld>
             <a:endParaRPr lang="en-US"/>
           </a:p>
@@ -4061,7 +4063,7 @@
           <a:p>
             <a:fld id="{5D908D56-2039-4096-A4DD-0CA54AB46A92}" type="datetimeFigureOut">
               <a:rPr lang="en-US" smtClean="0"/>
-              <a:t>4/4/2016</a:t>
+              <a:t>4/11/2017</a:t>
             </a:fld>
             <a:endParaRPr lang="en-US"/>
           </a:p>
@@ -4483,7 +4485,7 @@
           <a:p>
             <a:fld id="{5D908D56-2039-4096-A4DD-0CA54AB46A92}" type="datetimeFigureOut">
               <a:rPr lang="en-US" smtClean="0"/>
-              <a:t>4/4/2016</a:t>
+              <a:t>4/11/2017</a:t>
             </a:fld>
             <a:endParaRPr lang="en-US"/>
           </a:p>
@@ -4601,7 +4603,7 @@
           <a:p>
             <a:fld id="{5D908D56-2039-4096-A4DD-0CA54AB46A92}" type="datetimeFigureOut">
               <a:rPr lang="en-US" smtClean="0"/>
-              <a:t>4/4/2016</a:t>
+              <a:t>4/11/2017</a:t>
             </a:fld>
             <a:endParaRPr lang="en-US"/>
           </a:p>
@@ -4696,7 +4698,7 @@
           <a:p>
             <a:fld id="{5D908D56-2039-4096-A4DD-0CA54AB46A92}" type="datetimeFigureOut">
               <a:rPr lang="en-US" smtClean="0"/>
-              <a:t>4/4/2016</a:t>
+              <a:t>4/11/2017</a:t>
             </a:fld>
             <a:endParaRPr lang="en-US"/>
           </a:p>
@@ -4973,7 +4975,7 @@
           <a:p>
             <a:fld id="{5D908D56-2039-4096-A4DD-0CA54AB46A92}" type="datetimeFigureOut">
               <a:rPr lang="en-US" smtClean="0"/>
-              <a:t>4/4/2016</a:t>
+              <a:t>4/11/2017</a:t>
             </a:fld>
             <a:endParaRPr lang="en-US"/>
           </a:p>
@@ -5226,7 +5228,7 @@
           <a:p>
             <a:fld id="{5D908D56-2039-4096-A4DD-0CA54AB46A92}" type="datetimeFigureOut">
               <a:rPr lang="en-US" smtClean="0"/>
-              <a:t>4/4/2016</a:t>
+              <a:t>4/11/2017</a:t>
             </a:fld>
             <a:endParaRPr lang="en-US"/>
           </a:p>
@@ -5439,7 +5441,7 @@
           <a:p>
             <a:fld id="{5D908D56-2039-4096-A4DD-0CA54AB46A92}" type="datetimeFigureOut">
               <a:rPr lang="en-US" smtClean="0"/>
-              <a:t>4/4/2016</a:t>
+              <a:t>4/11/2017</a:t>
             </a:fld>
             <a:endParaRPr lang="en-US"/>
           </a:p>
@@ -5925,7 +5927,7 @@
           <a:graphicData uri="http://schemas.openxmlformats.org/presentationml/2006/ole">
             <mc:AlternateContent xmlns:mc="http://schemas.openxmlformats.org/markup-compatibility/2006">
               <mc:Choice xmlns:v="urn:schemas-microsoft-com:vml" Requires="v">
-                <p:oleObj spid="_x0000_s3078" name="Equation" r:id="rId3" imgW="2920680" imgH="660240" progId="Equation.3">
+                <p:oleObj spid="_x0000_s3085" name="Equation" r:id="rId3" imgW="2920680" imgH="660240" progId="Equation.3">
                   <p:embed/>
                 </p:oleObj>
               </mc:Choice>
@@ -6549,7 +6551,7 @@
           <a:graphicData uri="http://schemas.openxmlformats.org/presentationml/2006/ole">
             <mc:AlternateContent xmlns:mc="http://schemas.openxmlformats.org/markup-compatibility/2006">
               <mc:Choice xmlns:v="urn:schemas-microsoft-com:vml" Requires="v">
-                <p:oleObj spid="_x0000_s4102" name="Equation" r:id="rId5" imgW="2400120" imgH="279360" progId="Equation.3">
+                <p:oleObj spid="_x0000_s4109" name="Equation" r:id="rId5" imgW="2400120" imgH="279360" progId="Equation.3">
                   <p:embed/>
                 </p:oleObj>
               </mc:Choice>
@@ -6770,6 +6772,97 @@
 
 <file path=ppt/slides/slide13.xml><?xml version="1.0" encoding="utf-8"?>
 <p:sld xmlns:a="http://schemas.openxmlformats.org/drawingml/2006/main" xmlns:r="http://schemas.openxmlformats.org/officeDocument/2006/relationships" xmlns:p="http://schemas.openxmlformats.org/presentationml/2006/main">
+  <p:cSld>
+    <p:spTree>
+      <p:nvGrpSpPr>
+        <p:cNvPr id="1" name=""/>
+        <p:cNvGrpSpPr/>
+        <p:nvPr/>
+      </p:nvGrpSpPr>
+      <p:grpSpPr>
+        <a:xfrm>
+          <a:off x="0" y="0"/>
+          <a:ext cx="0" cy="0"/>
+          <a:chOff x="0" y="0"/>
+          <a:chExt cx="0" cy="0"/>
+        </a:xfrm>
+      </p:grpSpPr>
+      <p:pic>
+        <p:nvPicPr>
+          <p:cNvPr id="9218" name="Picture 2"/>
+          <p:cNvPicPr>
+            <a:picLocks noChangeAspect="1" noChangeArrowheads="1"/>
+          </p:cNvPicPr>
+          <p:nvPr/>
+        </p:nvPicPr>
+        <p:blipFill>
+          <a:blip r:embed="rId2">
+            <a:extLst>
+              <a:ext uri="{28A0092B-C50C-407E-A947-70E740481C1C}">
+                <a14:useLocalDpi xmlns:a14="http://schemas.microsoft.com/office/drawing/2010/main" val="0"/>
+              </a:ext>
+            </a:extLst>
+          </a:blip>
+          <a:srcRect/>
+          <a:stretch>
+            <a:fillRect/>
+          </a:stretch>
+        </p:blipFill>
+        <p:spPr bwMode="auto">
+          <a:xfrm>
+            <a:off x="381000" y="228600"/>
+            <a:ext cx="8073238" cy="6205118"/>
+          </a:xfrm>
+          <a:prstGeom prst="rect">
+            <a:avLst/>
+          </a:prstGeom>
+          <a:noFill/>
+          <a:ln>
+            <a:noFill/>
+          </a:ln>
+          <a:extLst>
+            <a:ext uri="{909E8E84-426E-40DD-AFC4-6F175D3DCCD1}">
+              <a14:hiddenFill xmlns:a14="http://schemas.microsoft.com/office/drawing/2010/main">
+                <a:solidFill>
+                  <a:schemeClr val="accent1"/>
+                </a:solidFill>
+              </a14:hiddenFill>
+            </a:ext>
+            <a:ext uri="{91240B29-F687-4F45-9708-019B960494DF}">
+              <a14:hiddenLine xmlns:a14="http://schemas.microsoft.com/office/drawing/2010/main" w="9525">
+                <a:solidFill>
+                  <a:schemeClr val="tx1"/>
+                </a:solidFill>
+                <a:miter lim="800000"/>
+                <a:headEnd/>
+                <a:tailEnd/>
+              </a14:hiddenLine>
+            </a:ext>
+          </a:extLst>
+        </p:spPr>
+      </p:pic>
+    </p:spTree>
+    <p:extLst>
+      <p:ext uri="{BB962C8B-B14F-4D97-AF65-F5344CB8AC3E}">
+        <p14:creationId xmlns:p14="http://schemas.microsoft.com/office/powerpoint/2010/main" val="3065383296"/>
+      </p:ext>
+    </p:extLst>
+  </p:cSld>
+  <p:clrMapOvr>
+    <a:masterClrMapping/>
+  </p:clrMapOvr>
+  <p:timing>
+    <p:tnLst>
+      <p:par>
+        <p:cTn id="1" dur="indefinite" restart="never" nodeType="tmRoot"/>
+      </p:par>
+    </p:tnLst>
+  </p:timing>
+</p:sld>
+</file>
+
+<file path=ppt/slides/slide14.xml><?xml version="1.0" encoding="utf-8"?>
+<p:sld xmlns:a="http://schemas.openxmlformats.org/drawingml/2006/main" xmlns:r="http://schemas.openxmlformats.org/officeDocument/2006/relationships" xmlns:p="http://schemas.openxmlformats.org/presentationml/2006/main" show="0">
   <p:cSld>
     <p:spTree>
       <p:nvGrpSpPr>
@@ -7327,7 +7420,7 @@
           <a:graphicData uri="http://schemas.openxmlformats.org/presentationml/2006/ole">
             <mc:AlternateContent xmlns:mc="http://schemas.openxmlformats.org/markup-compatibility/2006">
               <mc:Choice xmlns:v="urn:schemas-microsoft-com:vml" Requires="v">
-                <p:oleObj spid="_x0000_s5166" name="Equation" r:id="rId3" imgW="977760" imgH="228600" progId="Equation.3">
+                <p:oleObj spid="_x0000_s5243" name="Equation" r:id="rId3" imgW="977760" imgH="228600" progId="Equation.3">
                   <p:embed/>
                 </p:oleObj>
               </mc:Choice>
@@ -7420,7 +7513,7 @@
           <a:graphicData uri="http://schemas.openxmlformats.org/presentationml/2006/ole">
             <mc:AlternateContent xmlns:mc="http://schemas.openxmlformats.org/markup-compatibility/2006">
               <mc:Choice xmlns:v="urn:schemas-microsoft-com:vml" Requires="v">
-                <p:oleObj spid="_x0000_s5167" name="Equation" r:id="rId5" imgW="533160" imgH="177480" progId="Equation.3">
+                <p:oleObj spid="_x0000_s5244" name="Equation" r:id="rId5" imgW="533160" imgH="177480" progId="Equation.3">
                   <p:embed/>
                 </p:oleObj>
               </mc:Choice>
@@ -7513,7 +7606,7 @@
           <a:graphicData uri="http://schemas.openxmlformats.org/presentationml/2006/ole">
             <mc:AlternateContent xmlns:mc="http://schemas.openxmlformats.org/markup-compatibility/2006">
               <mc:Choice xmlns:v="urn:schemas-microsoft-com:vml" Requires="v">
-                <p:oleObj spid="_x0000_s5168" name="Equation" r:id="rId7" imgW="1295280" imgH="241200" progId="Equation.3">
+                <p:oleObj spid="_x0000_s5245" name="Equation" r:id="rId7" imgW="1295280" imgH="241200" progId="Equation.3">
                   <p:embed/>
                 </p:oleObj>
               </mc:Choice>
@@ -7606,7 +7699,7 @@
           <a:graphicData uri="http://schemas.openxmlformats.org/presentationml/2006/ole">
             <mc:AlternateContent xmlns:mc="http://schemas.openxmlformats.org/markup-compatibility/2006">
               <mc:Choice xmlns:v="urn:schemas-microsoft-com:vml" Requires="v">
-                <p:oleObj spid="_x0000_s5169" name="Equation" r:id="rId9" imgW="647640" imgH="241200" progId="Equation.3">
+                <p:oleObj spid="_x0000_s5246" name="Equation" r:id="rId9" imgW="647640" imgH="241200" progId="Equation.3">
                   <p:embed/>
                 </p:oleObj>
               </mc:Choice>
@@ -7699,7 +7792,7 @@
           <a:graphicData uri="http://schemas.openxmlformats.org/presentationml/2006/ole">
             <mc:AlternateContent xmlns:mc="http://schemas.openxmlformats.org/markup-compatibility/2006">
               <mc:Choice xmlns:v="urn:schemas-microsoft-com:vml" Requires="v">
-                <p:oleObj spid="_x0000_s5170" name="Equation" r:id="rId11" imgW="164880" imgH="241200" progId="Equation.3">
+                <p:oleObj spid="_x0000_s5247" name="Equation" r:id="rId11" imgW="164880" imgH="241200" progId="Equation.3">
                   <p:embed/>
                 </p:oleObj>
               </mc:Choice>
@@ -7792,7 +7885,7 @@
           <a:graphicData uri="http://schemas.openxmlformats.org/presentationml/2006/ole">
             <mc:AlternateContent xmlns:mc="http://schemas.openxmlformats.org/markup-compatibility/2006">
               <mc:Choice xmlns:v="urn:schemas-microsoft-com:vml" Requires="v">
-                <p:oleObj spid="_x0000_s5171" name="Equation" r:id="rId13" imgW="927000" imgH="228600" progId="Equation.3">
+                <p:oleObj spid="_x0000_s5248" name="Equation" r:id="rId13" imgW="927000" imgH="228600" progId="Equation.3">
                   <p:embed/>
                 </p:oleObj>
               </mc:Choice>
@@ -7885,7 +7978,7 @@
           <a:graphicData uri="http://schemas.openxmlformats.org/presentationml/2006/ole">
             <mc:AlternateContent xmlns:mc="http://schemas.openxmlformats.org/markup-compatibility/2006">
               <mc:Choice xmlns:v="urn:schemas-microsoft-com:vml" Requires="v">
-                <p:oleObj spid="_x0000_s5172" name="Equation" r:id="rId15" imgW="279360" imgH="241200" progId="Equation.3">
+                <p:oleObj spid="_x0000_s5249" name="Equation" r:id="rId15" imgW="279360" imgH="241200" progId="Equation.3">
                   <p:embed/>
                 </p:oleObj>
               </mc:Choice>
@@ -7978,7 +8071,7 @@
           <a:graphicData uri="http://schemas.openxmlformats.org/presentationml/2006/ole">
             <mc:AlternateContent xmlns:mc="http://schemas.openxmlformats.org/markup-compatibility/2006">
               <mc:Choice xmlns:v="urn:schemas-microsoft-com:vml" Requires="v">
-                <p:oleObj spid="_x0000_s5173" name="Equation" r:id="rId17" imgW="241200" imgH="228600" progId="Equation.3">
+                <p:oleObj spid="_x0000_s5250" name="Equation" r:id="rId17" imgW="241200" imgH="228600" progId="Equation.3">
                   <p:embed/>
                 </p:oleObj>
               </mc:Choice>
@@ -8071,7 +8164,7 @@
           <a:graphicData uri="http://schemas.openxmlformats.org/presentationml/2006/ole">
             <mc:AlternateContent xmlns:mc="http://schemas.openxmlformats.org/markup-compatibility/2006">
               <mc:Choice xmlns:v="urn:schemas-microsoft-com:vml" Requires="v">
-                <p:oleObj spid="_x0000_s5174" name="Equation" r:id="rId19" imgW="888840" imgH="241200" progId="Equation.3">
+                <p:oleObj spid="_x0000_s5251" name="Equation" r:id="rId19" imgW="888840" imgH="241200" progId="Equation.3">
                   <p:embed/>
                 </p:oleObj>
               </mc:Choice>
@@ -8164,7 +8257,7 @@
           <a:graphicData uri="http://schemas.openxmlformats.org/presentationml/2006/ole">
             <mc:AlternateContent xmlns:mc="http://schemas.openxmlformats.org/markup-compatibility/2006">
               <mc:Choice xmlns:v="urn:schemas-microsoft-com:vml" Requires="v">
-                <p:oleObj spid="_x0000_s5175" name="Equation" r:id="rId21" imgW="533160" imgH="177480" progId="Equation.3">
+                <p:oleObj spid="_x0000_s5252" name="Equation" r:id="rId21" imgW="533160" imgH="177480" progId="Equation.3">
                   <p:embed/>
                 </p:oleObj>
               </mc:Choice>
@@ -8257,7 +8350,7 @@
           <a:graphicData uri="http://schemas.openxmlformats.org/presentationml/2006/ole">
             <mc:AlternateContent xmlns:mc="http://schemas.openxmlformats.org/markup-compatibility/2006">
               <mc:Choice xmlns:v="urn:schemas-microsoft-com:vml" Requires="v">
-                <p:oleObj spid="_x0000_s5176" name="Equation" r:id="rId22" imgW="672840" imgH="241200" progId="Equation.3">
+                <p:oleObj spid="_x0000_s5253" name="Equation" r:id="rId22" imgW="672840" imgH="241200" progId="Equation.3">
                   <p:embed/>
                 </p:oleObj>
               </mc:Choice>
@@ -8355,7 +8448,7 @@
 </p:sld>
 </file>
 
-<file path=ppt/slides/slide14.xml><?xml version="1.0" encoding="utf-8"?>
+<file path=ppt/slides/slide15.xml><?xml version="1.0" encoding="utf-8"?>
 <p:sld xmlns:a="http://schemas.openxmlformats.org/drawingml/2006/main" xmlns:r="http://schemas.openxmlformats.org/officeDocument/2006/relationships" xmlns:p="http://schemas.openxmlformats.org/presentationml/2006/main">
   <p:cSld>
     <p:spTree>
@@ -9198,7 +9291,7 @@
           <a:graphicData uri="http://schemas.openxmlformats.org/presentationml/2006/ole">
             <mc:AlternateContent xmlns:mc="http://schemas.openxmlformats.org/markup-compatibility/2006">
               <mc:Choice xmlns:v="urn:schemas-microsoft-com:vml" Requires="v">
-                <p:oleObj spid="_x0000_s6154" name="Equation" r:id="rId4" imgW="2641320" imgH="1015920" progId="Equation.3">
+                <p:oleObj spid="_x0000_s6168" name="Equation" r:id="rId4" imgW="2641320" imgH="1015920" progId="Equation.3">
                   <p:embed/>
                 </p:oleObj>
               </mc:Choice>
@@ -9291,7 +9384,7 @@
           <a:graphicData uri="http://schemas.openxmlformats.org/presentationml/2006/ole">
             <mc:AlternateContent xmlns:mc="http://schemas.openxmlformats.org/markup-compatibility/2006">
               <mc:Choice xmlns:v="urn:schemas-microsoft-com:vml" Requires="v">
-                <p:oleObj spid="_x0000_s6155" name="Equation" r:id="rId6" imgW="3441600" imgH="279360" progId="Equation.3">
+                <p:oleObj spid="_x0000_s6169" name="Equation" r:id="rId6" imgW="3441600" imgH="279360" progId="Equation.3">
                   <p:embed/>
                 </p:oleObj>
               </mc:Choice>
@@ -9711,7 +9804,7 @@
 </p:sld>
 </file>
 
-<file path=ppt/slides/slide15.xml><?xml version="1.0" encoding="utf-8"?>
+<file path=ppt/slides/slide16.xml><?xml version="1.0" encoding="utf-8"?>
 <p:sld xmlns:a="http://schemas.openxmlformats.org/drawingml/2006/main" xmlns:r="http://schemas.openxmlformats.org/officeDocument/2006/relationships" xmlns:p="http://schemas.openxmlformats.org/presentationml/2006/main">
   <p:cSld>
     <p:spTree>
@@ -9877,7 +9970,7 @@
 </p:sld>
 </file>
 
-<file path=ppt/slides/slide16.xml><?xml version="1.0" encoding="utf-8"?>
+<file path=ppt/slides/slide17.xml><?xml version="1.0" encoding="utf-8"?>
 <p:sld xmlns:a="http://schemas.openxmlformats.org/drawingml/2006/main" xmlns:r="http://schemas.openxmlformats.org/officeDocument/2006/relationships" xmlns:p="http://schemas.openxmlformats.org/presentationml/2006/main">
   <p:cSld>
     <p:spTree>
@@ -13940,7 +14033,98 @@
 </p:sld>
 </file>
 
-<file path=ppt/slides/slide17.xml><?xml version="1.0" encoding="utf-8"?>
+<file path=ppt/slides/slide18.xml><?xml version="1.0" encoding="utf-8"?>
+<p:sld xmlns:a="http://schemas.openxmlformats.org/drawingml/2006/main" xmlns:r="http://schemas.openxmlformats.org/officeDocument/2006/relationships" xmlns:p="http://schemas.openxmlformats.org/presentationml/2006/main">
+  <p:cSld>
+    <p:spTree>
+      <p:nvGrpSpPr>
+        <p:cNvPr id="1" name=""/>
+        <p:cNvGrpSpPr/>
+        <p:nvPr/>
+      </p:nvGrpSpPr>
+      <p:grpSpPr>
+        <a:xfrm>
+          <a:off x="0" y="0"/>
+          <a:ext cx="0" cy="0"/>
+          <a:chOff x="0" y="0"/>
+          <a:chExt cx="0" cy="0"/>
+        </a:xfrm>
+      </p:grpSpPr>
+      <p:pic>
+        <p:nvPicPr>
+          <p:cNvPr id="8194" name="Picture 2"/>
+          <p:cNvPicPr>
+            <a:picLocks noChangeAspect="1" noChangeArrowheads="1"/>
+          </p:cNvPicPr>
+          <p:nvPr/>
+        </p:nvPicPr>
+        <p:blipFill>
+          <a:blip r:embed="rId2">
+            <a:extLst>
+              <a:ext uri="{28A0092B-C50C-407E-A947-70E740481C1C}">
+                <a14:useLocalDpi xmlns:a14="http://schemas.microsoft.com/office/drawing/2010/main" val="0"/>
+              </a:ext>
+            </a:extLst>
+          </a:blip>
+          <a:srcRect/>
+          <a:stretch>
+            <a:fillRect/>
+          </a:stretch>
+        </p:blipFill>
+        <p:spPr bwMode="auto">
+          <a:xfrm>
+            <a:off x="838200" y="304800"/>
+            <a:ext cx="7609180" cy="6015838"/>
+          </a:xfrm>
+          <a:prstGeom prst="rect">
+            <a:avLst/>
+          </a:prstGeom>
+          <a:noFill/>
+          <a:ln>
+            <a:noFill/>
+          </a:ln>
+          <a:extLst>
+            <a:ext uri="{909E8E84-426E-40DD-AFC4-6F175D3DCCD1}">
+              <a14:hiddenFill xmlns:a14="http://schemas.microsoft.com/office/drawing/2010/main">
+                <a:solidFill>
+                  <a:schemeClr val="accent1"/>
+                </a:solidFill>
+              </a14:hiddenFill>
+            </a:ext>
+            <a:ext uri="{91240B29-F687-4F45-9708-019B960494DF}">
+              <a14:hiddenLine xmlns:a14="http://schemas.microsoft.com/office/drawing/2010/main" w="9525">
+                <a:solidFill>
+                  <a:schemeClr val="tx1"/>
+                </a:solidFill>
+                <a:miter lim="800000"/>
+                <a:headEnd/>
+                <a:tailEnd/>
+              </a14:hiddenLine>
+            </a:ext>
+          </a:extLst>
+        </p:spPr>
+      </p:pic>
+    </p:spTree>
+    <p:extLst>
+      <p:ext uri="{BB962C8B-B14F-4D97-AF65-F5344CB8AC3E}">
+        <p14:creationId xmlns:p14="http://schemas.microsoft.com/office/powerpoint/2010/main" val="2670254097"/>
+      </p:ext>
+    </p:extLst>
+  </p:cSld>
+  <p:clrMapOvr>
+    <a:masterClrMapping/>
+  </p:clrMapOvr>
+  <p:timing>
+    <p:tnLst>
+      <p:par>
+        <p:cTn id="1" dur="indefinite" restart="never" nodeType="tmRoot"/>
+      </p:par>
+    </p:tnLst>
+  </p:timing>
+</p:sld>
+</file>
+
+<file path=ppt/slides/slide19.xml><?xml version="1.0" encoding="utf-8"?>
 <p:sld xmlns:a="http://schemas.openxmlformats.org/drawingml/2006/main" xmlns:r="http://schemas.openxmlformats.org/officeDocument/2006/relationships" xmlns:p="http://schemas.openxmlformats.org/presentationml/2006/main">
   <p:cSld>
     <p:spTree>
@@ -14509,7 +14693,7 @@
           <a:graphicData uri="http://schemas.openxmlformats.org/presentationml/2006/ole">
             <mc:AlternateContent xmlns:mc="http://schemas.openxmlformats.org/markup-compatibility/2006">
               <mc:Choice xmlns:v="urn:schemas-microsoft-com:vml" Requires="v">
-                <p:oleObj spid="_x0000_s7197" name="Equation" r:id="rId3" imgW="888840" imgH="228600" progId="Equation.3">
+                <p:oleObj spid="_x0000_s7260" name="Equation" r:id="rId3" imgW="888840" imgH="228600" progId="Equation.3">
                   <p:embed/>
                 </p:oleObj>
               </mc:Choice>
@@ -14602,7 +14786,7 @@
           <a:graphicData uri="http://schemas.openxmlformats.org/presentationml/2006/ole">
             <mc:AlternateContent xmlns:mc="http://schemas.openxmlformats.org/markup-compatibility/2006">
               <mc:Choice xmlns:v="urn:schemas-microsoft-com:vml" Requires="v">
-                <p:oleObj spid="_x0000_s7198" name="Equation" r:id="rId5" imgW="558720" imgH="177480" progId="Equation.3">
+                <p:oleObj spid="_x0000_s7261" name="Equation" r:id="rId5" imgW="558720" imgH="177480" progId="Equation.3">
                   <p:embed/>
                 </p:oleObj>
               </mc:Choice>
@@ -14695,7 +14879,7 @@
           <a:graphicData uri="http://schemas.openxmlformats.org/presentationml/2006/ole">
             <mc:AlternateContent xmlns:mc="http://schemas.openxmlformats.org/markup-compatibility/2006">
               <mc:Choice xmlns:v="urn:schemas-microsoft-com:vml" Requires="v">
-                <p:oleObj spid="_x0000_s7199" name="Equation" r:id="rId7" imgW="774360" imgH="241200" progId="Equation.3">
+                <p:oleObj spid="_x0000_s7262" name="Equation" r:id="rId7" imgW="774360" imgH="241200" progId="Equation.3">
                   <p:embed/>
                 </p:oleObj>
               </mc:Choice>
@@ -14778,7 +14962,13 @@
           <p:cNvGraphicFramePr>
             <a:graphicFrameLocks noChangeAspect="1"/>
           </p:cNvGraphicFramePr>
-          <p:nvPr/>
+          <p:nvPr>
+            <p:extLst>
+              <p:ext uri="{D42A27DB-BD31-4B8C-83A1-F6EECF244321}">
+                <p14:modId xmlns:p14="http://schemas.microsoft.com/office/powerpoint/2010/main" val="365600761"/>
+              </p:ext>
+            </p:extLst>
+          </p:nvPr>
         </p:nvGraphicFramePr>
         <p:xfrm>
           <a:off x="798513" y="2692400"/>
@@ -14788,7 +14978,7 @@
           <a:graphicData uri="http://schemas.openxmlformats.org/presentationml/2006/ole">
             <mc:AlternateContent xmlns:mc="http://schemas.openxmlformats.org/markup-compatibility/2006">
               <mc:Choice xmlns:v="urn:schemas-microsoft-com:vml" Requires="v">
-                <p:oleObj spid="_x0000_s7200" name="Equation" r:id="rId9" imgW="1168200" imgH="228600" progId="Equation.3">
+                <p:oleObj spid="_x0000_s7263" name="Equation" r:id="rId9" imgW="1168200" imgH="228600" progId="Equation.3">
                   <p:embed/>
                 </p:oleObj>
               </mc:Choice>
@@ -14804,13 +14994,7 @@
                       <p:nvPr/>
                     </p:nvPicPr>
                     <p:blipFill>
-                      <a:blip r:embed="rId10">
-                        <a:extLst>
-                          <a:ext uri="{28A0092B-C50C-407E-A947-70E740481C1C}">
-                            <a14:useLocalDpi xmlns:a14="http://schemas.microsoft.com/office/drawing/2010/main" val="0"/>
-                          </a:ext>
-                        </a:extLst>
-                      </a:blip>
+                      <a:blip r:embed="rId10"/>
                       <a:srcRect/>
                       <a:stretch>
                         <a:fillRect/>
@@ -14881,7 +15065,7 @@
           <a:graphicData uri="http://schemas.openxmlformats.org/presentationml/2006/ole">
             <mc:AlternateContent xmlns:mc="http://schemas.openxmlformats.org/markup-compatibility/2006">
               <mc:Choice xmlns:v="urn:schemas-microsoft-com:vml" Requires="v">
-                <p:oleObj spid="_x0000_s7201" name="Equation" r:id="rId11" imgW="571320" imgH="203040" progId="Equation.3">
+                <p:oleObj spid="_x0000_s7264" name="Equation" r:id="rId11" imgW="571320" imgH="203040" progId="Equation.3">
                   <p:embed/>
                 </p:oleObj>
               </mc:Choice>
@@ -14974,7 +15158,7 @@
           <a:graphicData uri="http://schemas.openxmlformats.org/presentationml/2006/ole">
             <mc:AlternateContent xmlns:mc="http://schemas.openxmlformats.org/markup-compatibility/2006">
               <mc:Choice xmlns:v="urn:schemas-microsoft-com:vml" Requires="v">
-                <p:oleObj spid="_x0000_s7202" name="Equation" r:id="rId13" imgW="876240" imgH="253800" progId="Equation.3">
+                <p:oleObj spid="_x0000_s7265" name="Equation" r:id="rId13" imgW="876240" imgH="253800" progId="Equation.3">
                   <p:embed/>
                 </p:oleObj>
               </mc:Choice>
@@ -15067,7 +15251,7 @@
           <a:graphicData uri="http://schemas.openxmlformats.org/presentationml/2006/ole">
             <mc:AlternateContent xmlns:mc="http://schemas.openxmlformats.org/markup-compatibility/2006">
               <mc:Choice xmlns:v="urn:schemas-microsoft-com:vml" Requires="v">
-                <p:oleObj spid="_x0000_s7203" name="Equation" r:id="rId15" imgW="431640" imgH="241200" progId="Equation.3">
+                <p:oleObj spid="_x0000_s7266" name="Equation" r:id="rId15" imgW="431640" imgH="241200" progId="Equation.3">
                   <p:embed/>
                 </p:oleObj>
               </mc:Choice>
@@ -15160,7 +15344,7 @@
           <a:graphicData uri="http://schemas.openxmlformats.org/presentationml/2006/ole">
             <mc:AlternateContent xmlns:mc="http://schemas.openxmlformats.org/markup-compatibility/2006">
               <mc:Choice xmlns:v="urn:schemas-microsoft-com:vml" Requires="v">
-                <p:oleObj spid="_x0000_s7204" name="Equation" r:id="rId17" imgW="1218960" imgH="228600" progId="Equation.3">
+                <p:oleObj spid="_x0000_s7267" name="Equation" r:id="rId17" imgW="1218960" imgH="228600" progId="Equation.3">
                   <p:embed/>
                 </p:oleObj>
               </mc:Choice>
@@ -15253,7 +15437,7 @@
           <a:graphicData uri="http://schemas.openxmlformats.org/presentationml/2006/ole">
             <mc:AlternateContent xmlns:mc="http://schemas.openxmlformats.org/markup-compatibility/2006">
               <mc:Choice xmlns:v="urn:schemas-microsoft-com:vml" Requires="v">
-                <p:oleObj spid="_x0000_s7205" name="Equation" r:id="rId19" imgW="469800" imgH="177480" progId="Equation.3">
+                <p:oleObj spid="_x0000_s7268" name="Equation" r:id="rId19" imgW="469800" imgH="177480" progId="Equation.3">
                   <p:embed/>
                 </p:oleObj>
               </mc:Choice>
@@ -15422,7 +15606,175 @@
 </p:sld>
 </file>
 
-<file path=ppt/slides/slide18.xml><?xml version="1.0" encoding="utf-8"?>
+<file path=ppt/slides/slide2.xml><?xml version="1.0" encoding="utf-8"?>
+<p:sld xmlns:a="http://schemas.openxmlformats.org/drawingml/2006/main" xmlns:r="http://schemas.openxmlformats.org/officeDocument/2006/relationships" xmlns:p="http://schemas.openxmlformats.org/presentationml/2006/main">
+  <p:cSld>
+    <p:spTree>
+      <p:nvGrpSpPr>
+        <p:cNvPr id="1" name="Shape 286"/>
+        <p:cNvGrpSpPr/>
+        <p:nvPr/>
+      </p:nvGrpSpPr>
+      <p:grpSpPr>
+        <a:xfrm>
+          <a:off x="0" y="0"/>
+          <a:ext cx="0" cy="0"/>
+          <a:chOff x="0" y="0"/>
+          <a:chExt cx="0" cy="0"/>
+        </a:xfrm>
+      </p:grpSpPr>
+      <p:sp>
+        <p:nvSpPr>
+          <p:cNvPr id="287" name="Shape 287"/>
+          <p:cNvSpPr txBox="1">
+            <a:spLocks noGrp="1"/>
+          </p:cNvSpPr>
+          <p:nvPr>
+            <p:ph type="title"/>
+          </p:nvPr>
+        </p:nvSpPr>
+        <p:spPr>
+          <a:xfrm>
+            <a:off x="457200" y="274637"/>
+            <a:ext cx="8229600" cy="1143000"/>
+          </a:xfrm>
+          <a:prstGeom prst="rect">
+            <a:avLst/>
+          </a:prstGeom>
+        </p:spPr>
+        <p:txBody>
+          <a:bodyPr lIns="91425" tIns="91425" rIns="91425" bIns="91425" anchor="b" anchorCtr="0">
+            <a:noAutofit/>
+          </a:bodyPr>
+          <a:lstStyle/>
+          <a:p>
+            <a:pPr lvl="0">
+              <a:spcBef>
+                <a:spcPts val="0"/>
+              </a:spcBef>
+              <a:buNone/>
+            </a:pPr>
+            <a:r>
+              <a:rPr lang="en"/>
+              <a:t>Monte Carlo Localization</a:t>
+            </a:r>
+          </a:p>
+        </p:txBody>
+      </p:sp>
+      <p:sp>
+        <p:nvSpPr>
+          <p:cNvPr id="288" name="Shape 288"/>
+          <p:cNvSpPr txBox="1">
+            <a:spLocks noGrp="1"/>
+          </p:cNvSpPr>
+          <p:nvPr>
+            <p:ph type="body" idx="1"/>
+          </p:nvPr>
+        </p:nvSpPr>
+        <p:spPr>
+          <a:xfrm>
+            <a:off x="457200" y="1600200"/>
+            <a:ext cx="8229600" cy="4967700"/>
+          </a:xfrm>
+          <a:prstGeom prst="rect">
+            <a:avLst/>
+          </a:prstGeom>
+        </p:spPr>
+        <p:txBody>
+          <a:bodyPr lIns="91425" tIns="91425" rIns="91425" bIns="91425" anchor="t" anchorCtr="0">
+            <a:noAutofit/>
+          </a:bodyPr>
+          <a:lstStyle/>
+          <a:p>
+            <a:pPr lvl="0" rtl="0">
+              <a:spcBef>
+                <a:spcPts val="0"/>
+              </a:spcBef>
+              <a:buNone/>
+            </a:pPr>
+            <a:r>
+              <a:rPr lang="en"/>
+              <a:t>Repeated</a:t>
+            </a:r>
+          </a:p>
+          <a:p>
+            <a:pPr lvl="0" rtl="0">
+              <a:spcBef>
+                <a:spcPts val="0"/>
+              </a:spcBef>
+              <a:buNone/>
+            </a:pPr>
+            <a:r>
+              <a:rPr lang="en"/>
+              <a:t> Random</a:t>
+            </a:r>
+          </a:p>
+          <a:p>
+            <a:pPr lvl="0">
+              <a:spcBef>
+                <a:spcPts val="0"/>
+              </a:spcBef>
+              <a:buNone/>
+            </a:pPr>
+            <a:r>
+              <a:rPr lang="en"/>
+              <a:t>  Sampling</a:t>
+            </a:r>
+          </a:p>
+        </p:txBody>
+      </p:sp>
+      <p:pic>
+        <p:nvPicPr>
+          <p:cNvPr id="289" name="Shape 289"/>
+          <p:cNvPicPr preferRelativeResize="0"/>
+          <p:nvPr/>
+        </p:nvPicPr>
+        <p:blipFill>
+          <a:blip r:embed="rId3">
+            <a:alphaModFix/>
+          </a:blip>
+          <a:stretch>
+            <a:fillRect/>
+          </a:stretch>
+        </p:blipFill>
+        <p:spPr>
+          <a:xfrm>
+            <a:off x="3924300" y="1600200"/>
+            <a:ext cx="4762500" cy="3571875"/>
+          </a:xfrm>
+          <a:prstGeom prst="rect">
+            <a:avLst/>
+          </a:prstGeom>
+          <a:noFill/>
+          <a:ln>
+            <a:noFill/>
+          </a:ln>
+        </p:spPr>
+      </p:pic>
+    </p:spTree>
+    <p:extLst>
+      <p:ext uri="{BB962C8B-B14F-4D97-AF65-F5344CB8AC3E}">
+        <p14:creationId xmlns:p14="http://schemas.microsoft.com/office/powerpoint/2010/main" val="3944430812"/>
+      </p:ext>
+    </p:extLst>
+  </p:cSld>
+  <p:clrMapOvr>
+    <a:masterClrMapping/>
+  </p:clrMapOvr>
+  <p:transition spd="slow">
+    <p:cut/>
+  </p:transition>
+  <p:timing>
+    <p:tnLst>
+      <p:par>
+        <p:cTn id="1" dur="indefinite" restart="never" nodeType="tmRoot"/>
+      </p:par>
+    </p:tnLst>
+  </p:timing>
+</p:sld>
+</file>
+
+<file path=ppt/slides/slide20.xml><?xml version="1.0" encoding="utf-8"?>
 <p:sld xmlns:a="http://schemas.openxmlformats.org/drawingml/2006/main" xmlns:r="http://schemas.openxmlformats.org/officeDocument/2006/relationships" xmlns:p="http://schemas.openxmlformats.org/presentationml/2006/main">
   <p:cSld>
     <p:spTree>
@@ -15607,7 +15959,7 @@
 </p:sld>
 </file>
 
-<file path=ppt/slides/slide19.xml><?xml version="1.0" encoding="utf-8"?>
+<file path=ppt/slides/slide21.xml><?xml version="1.0" encoding="utf-8"?>
 <p:sld xmlns:a="http://schemas.openxmlformats.org/drawingml/2006/main" xmlns:r="http://schemas.openxmlformats.org/officeDocument/2006/relationships" xmlns:p="http://schemas.openxmlformats.org/presentationml/2006/main">
   <p:cSld>
     <p:spTree>
@@ -16033,175 +16385,7 @@
 </p:sld>
 </file>
 
-<file path=ppt/slides/slide2.xml><?xml version="1.0" encoding="utf-8"?>
-<p:sld xmlns:a="http://schemas.openxmlformats.org/drawingml/2006/main" xmlns:r="http://schemas.openxmlformats.org/officeDocument/2006/relationships" xmlns:p="http://schemas.openxmlformats.org/presentationml/2006/main">
-  <p:cSld>
-    <p:spTree>
-      <p:nvGrpSpPr>
-        <p:cNvPr id="1" name="Shape 286"/>
-        <p:cNvGrpSpPr/>
-        <p:nvPr/>
-      </p:nvGrpSpPr>
-      <p:grpSpPr>
-        <a:xfrm>
-          <a:off x="0" y="0"/>
-          <a:ext cx="0" cy="0"/>
-          <a:chOff x="0" y="0"/>
-          <a:chExt cx="0" cy="0"/>
-        </a:xfrm>
-      </p:grpSpPr>
-      <p:sp>
-        <p:nvSpPr>
-          <p:cNvPr id="287" name="Shape 287"/>
-          <p:cNvSpPr txBox="1">
-            <a:spLocks noGrp="1"/>
-          </p:cNvSpPr>
-          <p:nvPr>
-            <p:ph type="title"/>
-          </p:nvPr>
-        </p:nvSpPr>
-        <p:spPr>
-          <a:xfrm>
-            <a:off x="457200" y="274637"/>
-            <a:ext cx="8229600" cy="1143000"/>
-          </a:xfrm>
-          <a:prstGeom prst="rect">
-            <a:avLst/>
-          </a:prstGeom>
-        </p:spPr>
-        <p:txBody>
-          <a:bodyPr lIns="91425" tIns="91425" rIns="91425" bIns="91425" anchor="b" anchorCtr="0">
-            <a:noAutofit/>
-          </a:bodyPr>
-          <a:lstStyle/>
-          <a:p>
-            <a:pPr lvl="0">
-              <a:spcBef>
-                <a:spcPts val="0"/>
-              </a:spcBef>
-              <a:buNone/>
-            </a:pPr>
-            <a:r>
-              <a:rPr lang="en"/>
-              <a:t>Monte Carlo Localization</a:t>
-            </a:r>
-          </a:p>
-        </p:txBody>
-      </p:sp>
-      <p:sp>
-        <p:nvSpPr>
-          <p:cNvPr id="288" name="Shape 288"/>
-          <p:cNvSpPr txBox="1">
-            <a:spLocks noGrp="1"/>
-          </p:cNvSpPr>
-          <p:nvPr>
-            <p:ph type="body" idx="1"/>
-          </p:nvPr>
-        </p:nvSpPr>
-        <p:spPr>
-          <a:xfrm>
-            <a:off x="457200" y="1600200"/>
-            <a:ext cx="8229600" cy="4967700"/>
-          </a:xfrm>
-          <a:prstGeom prst="rect">
-            <a:avLst/>
-          </a:prstGeom>
-        </p:spPr>
-        <p:txBody>
-          <a:bodyPr lIns="91425" tIns="91425" rIns="91425" bIns="91425" anchor="t" anchorCtr="0">
-            <a:noAutofit/>
-          </a:bodyPr>
-          <a:lstStyle/>
-          <a:p>
-            <a:pPr lvl="0" rtl="0">
-              <a:spcBef>
-                <a:spcPts val="0"/>
-              </a:spcBef>
-              <a:buNone/>
-            </a:pPr>
-            <a:r>
-              <a:rPr lang="en"/>
-              <a:t>Repeated</a:t>
-            </a:r>
-          </a:p>
-          <a:p>
-            <a:pPr lvl="0" rtl="0">
-              <a:spcBef>
-                <a:spcPts val="0"/>
-              </a:spcBef>
-              <a:buNone/>
-            </a:pPr>
-            <a:r>
-              <a:rPr lang="en"/>
-              <a:t> Random</a:t>
-            </a:r>
-          </a:p>
-          <a:p>
-            <a:pPr lvl="0">
-              <a:spcBef>
-                <a:spcPts val="0"/>
-              </a:spcBef>
-              <a:buNone/>
-            </a:pPr>
-            <a:r>
-              <a:rPr lang="en"/>
-              <a:t>  Sampling</a:t>
-            </a:r>
-          </a:p>
-        </p:txBody>
-      </p:sp>
-      <p:pic>
-        <p:nvPicPr>
-          <p:cNvPr id="289" name="Shape 289"/>
-          <p:cNvPicPr preferRelativeResize="0"/>
-          <p:nvPr/>
-        </p:nvPicPr>
-        <p:blipFill>
-          <a:blip r:embed="rId3">
-            <a:alphaModFix/>
-          </a:blip>
-          <a:stretch>
-            <a:fillRect/>
-          </a:stretch>
-        </p:blipFill>
-        <p:spPr>
-          <a:xfrm>
-            <a:off x="3924300" y="1600200"/>
-            <a:ext cx="4762500" cy="3571875"/>
-          </a:xfrm>
-          <a:prstGeom prst="rect">
-            <a:avLst/>
-          </a:prstGeom>
-          <a:noFill/>
-          <a:ln>
-            <a:noFill/>
-          </a:ln>
-        </p:spPr>
-      </p:pic>
-    </p:spTree>
-    <p:extLst>
-      <p:ext uri="{BB962C8B-B14F-4D97-AF65-F5344CB8AC3E}">
-        <p14:creationId xmlns:p14="http://schemas.microsoft.com/office/powerpoint/2010/main" val="3944430812"/>
-      </p:ext>
-    </p:extLst>
-  </p:cSld>
-  <p:clrMapOvr>
-    <a:masterClrMapping/>
-  </p:clrMapOvr>
-  <p:transition spd="slow">
-    <p:cut/>
-  </p:transition>
-  <p:timing>
-    <p:tnLst>
-      <p:par>
-        <p:cTn id="1" dur="indefinite" restart="never" nodeType="tmRoot"/>
-      </p:par>
-    </p:tnLst>
-  </p:timing>
-</p:sld>
-</file>
-
-<file path=ppt/slides/slide20.xml><?xml version="1.0" encoding="utf-8"?>
+<file path=ppt/slides/slide22.xml><?xml version="1.0" encoding="utf-8"?>
 <p:sld xmlns:a="http://schemas.openxmlformats.org/drawingml/2006/main" xmlns:r="http://schemas.openxmlformats.org/officeDocument/2006/relationships" xmlns:p="http://schemas.openxmlformats.org/presentationml/2006/main">
   <p:cSld>
     <p:spTree>
@@ -16236,7 +16420,7 @@
             <a:fld id="{6668FD9C-DBE0-4CB3-A1A8-CF3AA566977C}" type="slidenum">
               <a:rPr lang="en-US" altLang="en-US"/>
               <a:pPr/>
-              <a:t>20</a:t>
+              <a:t>22</a:t>
             </a:fld>
             <a:endParaRPr lang="en-US" altLang="en-US"/>
           </a:p>
@@ -16304,7 +16488,7 @@
 </p:sld>
 </file>
 
-<file path=ppt/slides/slide21.xml><?xml version="1.0" encoding="utf-8"?>
+<file path=ppt/slides/slide23.xml><?xml version="1.0" encoding="utf-8"?>
 <p:sld xmlns:a="http://schemas.openxmlformats.org/drawingml/2006/main" xmlns:r="http://schemas.openxmlformats.org/officeDocument/2006/relationships" xmlns:p="http://schemas.openxmlformats.org/presentationml/2006/main">
   <p:cSld>
     <p:spTree>
@@ -16339,7 +16523,7 @@
             <a:fld id="{597653AB-2736-4810-8888-1D3C1ACA6ECF}" type="slidenum">
               <a:rPr lang="en-US" altLang="en-US"/>
               <a:pPr/>
-              <a:t>21</a:t>
+              <a:t>23</a:t>
             </a:fld>
             <a:endParaRPr lang="en-US" altLang="en-US"/>
           </a:p>
@@ -16407,7 +16591,7 @@
 </p:sld>
 </file>
 
-<file path=ppt/slides/slide22.xml><?xml version="1.0" encoding="utf-8"?>
+<file path=ppt/slides/slide24.xml><?xml version="1.0" encoding="utf-8"?>
 <p:sld xmlns:a="http://schemas.openxmlformats.org/drawingml/2006/main" xmlns:r="http://schemas.openxmlformats.org/officeDocument/2006/relationships" xmlns:p="http://schemas.openxmlformats.org/presentationml/2006/main">
   <p:cSld>
     <p:spTree>
@@ -16442,7 +16626,7 @@
             <a:fld id="{4183805E-E5EB-45B2-A605-112837629759}" type="slidenum">
               <a:rPr lang="en-US" altLang="en-US"/>
               <a:pPr/>
-              <a:t>22</a:t>
+              <a:t>24</a:t>
             </a:fld>
             <a:endParaRPr lang="en-US" altLang="en-US"/>
           </a:p>
@@ -16510,7 +16694,7 @@
 </p:sld>
 </file>
 
-<file path=ppt/slides/slide23.xml><?xml version="1.0" encoding="utf-8"?>
+<file path=ppt/slides/slide25.xml><?xml version="1.0" encoding="utf-8"?>
 <p:sld xmlns:a="http://schemas.openxmlformats.org/drawingml/2006/main" xmlns:r="http://schemas.openxmlformats.org/officeDocument/2006/relationships" xmlns:p="http://schemas.openxmlformats.org/presentationml/2006/main">
   <p:cSld>
     <p:spTree>
@@ -16545,7 +16729,7 @@
             <a:fld id="{9C38E765-CE59-402D-8878-8996C3DF97E2}" type="slidenum">
               <a:rPr lang="en-US" altLang="en-US"/>
               <a:pPr/>
-              <a:t>23</a:t>
+              <a:t>25</a:t>
             </a:fld>
             <a:endParaRPr lang="en-US" altLang="en-US"/>
           </a:p>
@@ -16613,7 +16797,7 @@
 </p:sld>
 </file>
 
-<file path=ppt/slides/slide24.xml><?xml version="1.0" encoding="utf-8"?>
+<file path=ppt/slides/slide26.xml><?xml version="1.0" encoding="utf-8"?>
 <p:sld xmlns:a="http://schemas.openxmlformats.org/drawingml/2006/main" xmlns:r="http://schemas.openxmlformats.org/officeDocument/2006/relationships" xmlns:p="http://schemas.openxmlformats.org/presentationml/2006/main">
   <p:cSld>
     <p:spTree>
@@ -16648,7 +16832,7 @@
             <a:fld id="{E01F700B-C786-4DF7-AE28-F6216F4A475A}" type="slidenum">
               <a:rPr lang="en-US" altLang="en-US"/>
               <a:pPr/>
-              <a:t>24</a:t>
+              <a:t>26</a:t>
             </a:fld>
             <a:endParaRPr lang="en-US" altLang="en-US"/>
           </a:p>
@@ -16757,7 +16941,7 @@
 </p:sld>
 </file>
 
-<file path=ppt/slides/slide25.xml><?xml version="1.0" encoding="utf-8"?>
+<file path=ppt/slides/slide27.xml><?xml version="1.0" encoding="utf-8"?>
 <p:sld xmlns:a="http://schemas.openxmlformats.org/drawingml/2006/main" xmlns:r="http://schemas.openxmlformats.org/officeDocument/2006/relationships" xmlns:p="http://schemas.openxmlformats.org/presentationml/2006/main">
   <p:cSld>
     <p:spTree>
@@ -16792,7 +16976,7 @@
             <a:fld id="{911091A1-113A-42CD-A182-6329B558B804}" type="slidenum">
               <a:rPr lang="en-US" altLang="en-US"/>
               <a:pPr/>
-              <a:t>25</a:t>
+              <a:t>27</a:t>
             </a:fld>
             <a:endParaRPr lang="en-US" altLang="en-US"/>
           </a:p>
@@ -16860,7 +17044,7 @@
 </p:sld>
 </file>
 
-<file path=ppt/slides/slide26.xml><?xml version="1.0" encoding="utf-8"?>
+<file path=ppt/slides/slide28.xml><?xml version="1.0" encoding="utf-8"?>
 <p:sld xmlns:a="http://schemas.openxmlformats.org/drawingml/2006/main" xmlns:r="http://schemas.openxmlformats.org/officeDocument/2006/relationships" xmlns:p="http://schemas.openxmlformats.org/presentationml/2006/main">
   <p:cSld>
     <p:spTree>
@@ -16895,7 +17079,7 @@
             <a:fld id="{E4663625-98F3-4228-A49F-EC1522A2F8BD}" type="slidenum">
               <a:rPr lang="en-US" altLang="en-US"/>
               <a:pPr/>
-              <a:t>26</a:t>
+              <a:t>28</a:t>
             </a:fld>
             <a:endParaRPr lang="en-US" altLang="en-US"/>
           </a:p>
@@ -16963,7 +17147,7 @@
 </p:sld>
 </file>
 
-<file path=ppt/slides/slide27.xml><?xml version="1.0" encoding="utf-8"?>
+<file path=ppt/slides/slide29.xml><?xml version="1.0" encoding="utf-8"?>
 <p:sld xmlns:a="http://schemas.openxmlformats.org/drawingml/2006/main" xmlns:r="http://schemas.openxmlformats.org/officeDocument/2006/relationships" xmlns:p="http://schemas.openxmlformats.org/presentationml/2006/main">
   <p:cSld>
     <p:spTree>
@@ -16998,7 +17182,7 @@
             <a:fld id="{2A721BEC-6899-4902-94F1-A0E563BE2E8D}" type="slidenum">
               <a:rPr lang="en-US" altLang="en-US"/>
               <a:pPr/>
-              <a:t>27</a:t>
+              <a:t>29</a:t>
             </a:fld>
             <a:endParaRPr lang="en-US" altLang="en-US"/>
           </a:p>
@@ -17049,212 +17233,6 @@
     <p:extLst>
       <p:ext uri="{BB962C8B-B14F-4D97-AF65-F5344CB8AC3E}">
         <p14:creationId xmlns:p14="http://schemas.microsoft.com/office/powerpoint/2010/main" val="1960427272"/>
-      </p:ext>
-    </p:extLst>
-  </p:cSld>
-  <p:clrMapOvr>
-    <a:masterClrMapping/>
-  </p:clrMapOvr>
-  <p:transition/>
-  <p:timing>
-    <p:tnLst>
-      <p:par>
-        <p:cTn id="1" dur="indefinite" restart="never" nodeType="tmRoot"/>
-      </p:par>
-    </p:tnLst>
-  </p:timing>
-</p:sld>
-</file>
-
-<file path=ppt/slides/slide28.xml><?xml version="1.0" encoding="utf-8"?>
-<p:sld xmlns:a="http://schemas.openxmlformats.org/drawingml/2006/main" xmlns:r="http://schemas.openxmlformats.org/officeDocument/2006/relationships" xmlns:p="http://schemas.openxmlformats.org/presentationml/2006/main">
-  <p:cSld>
-    <p:spTree>
-      <p:nvGrpSpPr>
-        <p:cNvPr id="1" name=""/>
-        <p:cNvGrpSpPr/>
-        <p:nvPr/>
-      </p:nvGrpSpPr>
-      <p:grpSpPr>
-        <a:xfrm>
-          <a:off x="0" y="0"/>
-          <a:ext cx="0" cy="0"/>
-          <a:chOff x="0" y="0"/>
-          <a:chExt cx="0" cy="0"/>
-        </a:xfrm>
-      </p:grpSpPr>
-      <p:sp>
-        <p:nvSpPr>
-          <p:cNvPr id="3" name="Slide Number Placeholder 2"/>
-          <p:cNvSpPr>
-            <a:spLocks noGrp="1"/>
-          </p:cNvSpPr>
-          <p:nvPr>
-            <p:ph type="sldNum" sz="quarter" idx="12"/>
-          </p:nvPr>
-        </p:nvSpPr>
-        <p:spPr/>
-        <p:txBody>
-          <a:bodyPr/>
-          <a:lstStyle/>
-          <a:p>
-            <a:fld id="{4ADE0C6E-4405-408C-91B6-D84C0123681F}" type="slidenum">
-              <a:rPr lang="en-US" altLang="en-US"/>
-              <a:pPr/>
-              <a:t>28</a:t>
-            </a:fld>
-            <a:endParaRPr lang="en-US" altLang="en-US"/>
-          </a:p>
-        </p:txBody>
-      </p:sp>
-      <p:pic>
-        <p:nvPicPr>
-          <p:cNvPr id="1338370" name="Picture 2" descr="0111d5"/>
-          <p:cNvPicPr>
-            <a:picLocks noChangeAspect="1" noChangeArrowheads="1"/>
-          </p:cNvPicPr>
-          <p:nvPr/>
-        </p:nvPicPr>
-        <p:blipFill>
-          <a:blip r:embed="rId3">
-            <a:extLst>
-              <a:ext uri="{28A0092B-C50C-407E-A947-70E740481C1C}">
-                <a14:useLocalDpi xmlns:a14="http://schemas.microsoft.com/office/drawing/2010/main" val="0"/>
-              </a:ext>
-            </a:extLst>
-          </a:blip>
-          <a:srcRect/>
-          <a:stretch>
-            <a:fillRect/>
-          </a:stretch>
-        </p:blipFill>
-        <p:spPr bwMode="auto">
-          <a:xfrm>
-            <a:off x="762000" y="319088"/>
-            <a:ext cx="7620000" cy="6219825"/>
-          </a:xfrm>
-          <a:prstGeom prst="rect">
-            <a:avLst/>
-          </a:prstGeom>
-          <a:noFill/>
-          <a:extLst>
-            <a:ext uri="{909E8E84-426E-40DD-AFC4-6F175D3DCCD1}">
-              <a14:hiddenFill xmlns:a14="http://schemas.microsoft.com/office/drawing/2010/main">
-                <a:solidFill>
-                  <a:srgbClr val="FFFFFF"/>
-                </a:solidFill>
-              </a14:hiddenFill>
-            </a:ext>
-          </a:extLst>
-        </p:spPr>
-      </p:pic>
-    </p:spTree>
-    <p:extLst>
-      <p:ext uri="{BB962C8B-B14F-4D97-AF65-F5344CB8AC3E}">
-        <p14:creationId xmlns:p14="http://schemas.microsoft.com/office/powerpoint/2010/main" val="230624536"/>
-      </p:ext>
-    </p:extLst>
-  </p:cSld>
-  <p:clrMapOvr>
-    <a:masterClrMapping/>
-  </p:clrMapOvr>
-  <p:transition/>
-  <p:timing>
-    <p:tnLst>
-      <p:par>
-        <p:cTn id="1" dur="indefinite" restart="never" nodeType="tmRoot"/>
-      </p:par>
-    </p:tnLst>
-  </p:timing>
-</p:sld>
-</file>
-
-<file path=ppt/slides/slide29.xml><?xml version="1.0" encoding="utf-8"?>
-<p:sld xmlns:a="http://schemas.openxmlformats.org/drawingml/2006/main" xmlns:r="http://schemas.openxmlformats.org/officeDocument/2006/relationships" xmlns:p="http://schemas.openxmlformats.org/presentationml/2006/main">
-  <p:cSld>
-    <p:spTree>
-      <p:nvGrpSpPr>
-        <p:cNvPr id="1" name=""/>
-        <p:cNvGrpSpPr/>
-        <p:nvPr/>
-      </p:nvGrpSpPr>
-      <p:grpSpPr>
-        <a:xfrm>
-          <a:off x="0" y="0"/>
-          <a:ext cx="0" cy="0"/>
-          <a:chOff x="0" y="0"/>
-          <a:chExt cx="0" cy="0"/>
-        </a:xfrm>
-      </p:grpSpPr>
-      <p:sp>
-        <p:nvSpPr>
-          <p:cNvPr id="3" name="Slide Number Placeholder 2"/>
-          <p:cNvSpPr>
-            <a:spLocks noGrp="1"/>
-          </p:cNvSpPr>
-          <p:nvPr>
-            <p:ph type="sldNum" sz="quarter" idx="12"/>
-          </p:nvPr>
-        </p:nvSpPr>
-        <p:spPr/>
-        <p:txBody>
-          <a:bodyPr/>
-          <a:lstStyle/>
-          <a:p>
-            <a:fld id="{8371934B-8C27-46A2-B1D2-A877C3EED647}" type="slidenum">
-              <a:rPr lang="en-US" altLang="en-US"/>
-              <a:pPr/>
-              <a:t>29</a:t>
-            </a:fld>
-            <a:endParaRPr lang="en-US" altLang="en-US"/>
-          </a:p>
-        </p:txBody>
-      </p:sp>
-      <p:pic>
-        <p:nvPicPr>
-          <p:cNvPr id="1340418" name="Picture 2" descr="012wei~1"/>
-          <p:cNvPicPr>
-            <a:picLocks noChangeAspect="1" noChangeArrowheads="1"/>
-          </p:cNvPicPr>
-          <p:nvPr/>
-        </p:nvPicPr>
-        <p:blipFill>
-          <a:blip r:embed="rId3">
-            <a:extLst>
-              <a:ext uri="{28A0092B-C50C-407E-A947-70E740481C1C}">
-                <a14:useLocalDpi xmlns:a14="http://schemas.microsoft.com/office/drawing/2010/main" val="0"/>
-              </a:ext>
-            </a:extLst>
-          </a:blip>
-          <a:srcRect/>
-          <a:stretch>
-            <a:fillRect/>
-          </a:stretch>
-        </p:blipFill>
-        <p:spPr bwMode="auto">
-          <a:xfrm>
-            <a:off x="762000" y="319088"/>
-            <a:ext cx="7620000" cy="6219825"/>
-          </a:xfrm>
-          <a:prstGeom prst="rect">
-            <a:avLst/>
-          </a:prstGeom>
-          <a:noFill/>
-          <a:extLst>
-            <a:ext uri="{909E8E84-426E-40DD-AFC4-6F175D3DCCD1}">
-              <a14:hiddenFill xmlns:a14="http://schemas.microsoft.com/office/drawing/2010/main">
-                <a:solidFill>
-                  <a:srgbClr val="FFFFFF"/>
-                </a:solidFill>
-              </a14:hiddenFill>
-            </a:ext>
-          </a:extLst>
-        </p:spPr>
-      </p:pic>
-    </p:spTree>
-    <p:extLst>
-      <p:ext uri="{BB962C8B-B14F-4D97-AF65-F5344CB8AC3E}">
-        <p14:creationId xmlns:p14="http://schemas.microsoft.com/office/powerpoint/2010/main" val="3732660792"/>
       </p:ext>
     </p:extLst>
   </p:cSld>
@@ -17769,10 +17747,216 @@
           <a:bodyPr/>
           <a:lstStyle/>
           <a:p>
+            <a:fld id="{4ADE0C6E-4405-408C-91B6-D84C0123681F}" type="slidenum">
+              <a:rPr lang="en-US" altLang="en-US"/>
+              <a:pPr/>
+              <a:t>30</a:t>
+            </a:fld>
+            <a:endParaRPr lang="en-US" altLang="en-US"/>
+          </a:p>
+        </p:txBody>
+      </p:sp>
+      <p:pic>
+        <p:nvPicPr>
+          <p:cNvPr id="1338370" name="Picture 2" descr="0111d5"/>
+          <p:cNvPicPr>
+            <a:picLocks noChangeAspect="1" noChangeArrowheads="1"/>
+          </p:cNvPicPr>
+          <p:nvPr/>
+        </p:nvPicPr>
+        <p:blipFill>
+          <a:blip r:embed="rId3">
+            <a:extLst>
+              <a:ext uri="{28A0092B-C50C-407E-A947-70E740481C1C}">
+                <a14:useLocalDpi xmlns:a14="http://schemas.microsoft.com/office/drawing/2010/main" val="0"/>
+              </a:ext>
+            </a:extLst>
+          </a:blip>
+          <a:srcRect/>
+          <a:stretch>
+            <a:fillRect/>
+          </a:stretch>
+        </p:blipFill>
+        <p:spPr bwMode="auto">
+          <a:xfrm>
+            <a:off x="762000" y="319088"/>
+            <a:ext cx="7620000" cy="6219825"/>
+          </a:xfrm>
+          <a:prstGeom prst="rect">
+            <a:avLst/>
+          </a:prstGeom>
+          <a:noFill/>
+          <a:extLst>
+            <a:ext uri="{909E8E84-426E-40DD-AFC4-6F175D3DCCD1}">
+              <a14:hiddenFill xmlns:a14="http://schemas.microsoft.com/office/drawing/2010/main">
+                <a:solidFill>
+                  <a:srgbClr val="FFFFFF"/>
+                </a:solidFill>
+              </a14:hiddenFill>
+            </a:ext>
+          </a:extLst>
+        </p:spPr>
+      </p:pic>
+    </p:spTree>
+    <p:extLst>
+      <p:ext uri="{BB962C8B-B14F-4D97-AF65-F5344CB8AC3E}">
+        <p14:creationId xmlns:p14="http://schemas.microsoft.com/office/powerpoint/2010/main" val="230624536"/>
+      </p:ext>
+    </p:extLst>
+  </p:cSld>
+  <p:clrMapOvr>
+    <a:masterClrMapping/>
+  </p:clrMapOvr>
+  <p:transition/>
+  <p:timing>
+    <p:tnLst>
+      <p:par>
+        <p:cTn id="1" dur="indefinite" restart="never" nodeType="tmRoot"/>
+      </p:par>
+    </p:tnLst>
+  </p:timing>
+</p:sld>
+</file>
+
+<file path=ppt/slides/slide31.xml><?xml version="1.0" encoding="utf-8"?>
+<p:sld xmlns:a="http://schemas.openxmlformats.org/drawingml/2006/main" xmlns:r="http://schemas.openxmlformats.org/officeDocument/2006/relationships" xmlns:p="http://schemas.openxmlformats.org/presentationml/2006/main">
+  <p:cSld>
+    <p:spTree>
+      <p:nvGrpSpPr>
+        <p:cNvPr id="1" name=""/>
+        <p:cNvGrpSpPr/>
+        <p:nvPr/>
+      </p:nvGrpSpPr>
+      <p:grpSpPr>
+        <a:xfrm>
+          <a:off x="0" y="0"/>
+          <a:ext cx="0" cy="0"/>
+          <a:chOff x="0" y="0"/>
+          <a:chExt cx="0" cy="0"/>
+        </a:xfrm>
+      </p:grpSpPr>
+      <p:sp>
+        <p:nvSpPr>
+          <p:cNvPr id="3" name="Slide Number Placeholder 2"/>
+          <p:cNvSpPr>
+            <a:spLocks noGrp="1"/>
+          </p:cNvSpPr>
+          <p:nvPr>
+            <p:ph type="sldNum" sz="quarter" idx="12"/>
+          </p:nvPr>
+        </p:nvSpPr>
+        <p:spPr/>
+        <p:txBody>
+          <a:bodyPr/>
+          <a:lstStyle/>
+          <a:p>
+            <a:fld id="{8371934B-8C27-46A2-B1D2-A877C3EED647}" type="slidenum">
+              <a:rPr lang="en-US" altLang="en-US"/>
+              <a:pPr/>
+              <a:t>31</a:t>
+            </a:fld>
+            <a:endParaRPr lang="en-US" altLang="en-US"/>
+          </a:p>
+        </p:txBody>
+      </p:sp>
+      <p:pic>
+        <p:nvPicPr>
+          <p:cNvPr id="1340418" name="Picture 2" descr="012wei~1"/>
+          <p:cNvPicPr>
+            <a:picLocks noChangeAspect="1" noChangeArrowheads="1"/>
+          </p:cNvPicPr>
+          <p:nvPr/>
+        </p:nvPicPr>
+        <p:blipFill>
+          <a:blip r:embed="rId3">
+            <a:extLst>
+              <a:ext uri="{28A0092B-C50C-407E-A947-70E740481C1C}">
+                <a14:useLocalDpi xmlns:a14="http://schemas.microsoft.com/office/drawing/2010/main" val="0"/>
+              </a:ext>
+            </a:extLst>
+          </a:blip>
+          <a:srcRect/>
+          <a:stretch>
+            <a:fillRect/>
+          </a:stretch>
+        </p:blipFill>
+        <p:spPr bwMode="auto">
+          <a:xfrm>
+            <a:off x="762000" y="319088"/>
+            <a:ext cx="7620000" cy="6219825"/>
+          </a:xfrm>
+          <a:prstGeom prst="rect">
+            <a:avLst/>
+          </a:prstGeom>
+          <a:noFill/>
+          <a:extLst>
+            <a:ext uri="{909E8E84-426E-40DD-AFC4-6F175D3DCCD1}">
+              <a14:hiddenFill xmlns:a14="http://schemas.microsoft.com/office/drawing/2010/main">
+                <a:solidFill>
+                  <a:srgbClr val="FFFFFF"/>
+                </a:solidFill>
+              </a14:hiddenFill>
+            </a:ext>
+          </a:extLst>
+        </p:spPr>
+      </p:pic>
+    </p:spTree>
+    <p:extLst>
+      <p:ext uri="{BB962C8B-B14F-4D97-AF65-F5344CB8AC3E}">
+        <p14:creationId xmlns:p14="http://schemas.microsoft.com/office/powerpoint/2010/main" val="3732660792"/>
+      </p:ext>
+    </p:extLst>
+  </p:cSld>
+  <p:clrMapOvr>
+    <a:masterClrMapping/>
+  </p:clrMapOvr>
+  <p:transition/>
+  <p:timing>
+    <p:tnLst>
+      <p:par>
+        <p:cTn id="1" dur="indefinite" restart="never" nodeType="tmRoot"/>
+      </p:par>
+    </p:tnLst>
+  </p:timing>
+</p:sld>
+</file>
+
+<file path=ppt/slides/slide32.xml><?xml version="1.0" encoding="utf-8"?>
+<p:sld xmlns:a="http://schemas.openxmlformats.org/drawingml/2006/main" xmlns:r="http://schemas.openxmlformats.org/officeDocument/2006/relationships" xmlns:p="http://schemas.openxmlformats.org/presentationml/2006/main">
+  <p:cSld>
+    <p:spTree>
+      <p:nvGrpSpPr>
+        <p:cNvPr id="1" name=""/>
+        <p:cNvGrpSpPr/>
+        <p:nvPr/>
+      </p:nvGrpSpPr>
+      <p:grpSpPr>
+        <a:xfrm>
+          <a:off x="0" y="0"/>
+          <a:ext cx="0" cy="0"/>
+          <a:chOff x="0" y="0"/>
+          <a:chExt cx="0" cy="0"/>
+        </a:xfrm>
+      </p:grpSpPr>
+      <p:sp>
+        <p:nvSpPr>
+          <p:cNvPr id="3" name="Slide Number Placeholder 2"/>
+          <p:cNvSpPr>
+            <a:spLocks noGrp="1"/>
+          </p:cNvSpPr>
+          <p:nvPr>
+            <p:ph type="sldNum" sz="quarter" idx="12"/>
+          </p:nvPr>
+        </p:nvSpPr>
+        <p:spPr/>
+        <p:txBody>
+          <a:bodyPr/>
+          <a:lstStyle/>
+          <a:p>
             <a:fld id="{DF520F5D-1882-4C25-8075-187F1EC0AE86}" type="slidenum">
               <a:rPr lang="en-US" altLang="en-US"/>
               <a:pPr/>
-              <a:t>30</a:t>
+              <a:t>32</a:t>
             </a:fld>
             <a:endParaRPr lang="en-US" altLang="en-US"/>
           </a:p>
@@ -17840,7 +18024,7 @@
 </p:sld>
 </file>
 
-<file path=ppt/slides/slide31.xml><?xml version="1.0" encoding="utf-8"?>
+<file path=ppt/slides/slide33.xml><?xml version="1.0" encoding="utf-8"?>
 <p:sld xmlns:a="http://schemas.openxmlformats.org/drawingml/2006/main" xmlns:r="http://schemas.openxmlformats.org/officeDocument/2006/relationships" xmlns:p="http://schemas.openxmlformats.org/presentationml/2006/main">
   <p:cSld>
     <p:spTree>
@@ -17875,7 +18059,7 @@
             <a:fld id="{F111E0CA-93E2-4119-9075-366AF62157E9}" type="slidenum">
               <a:rPr lang="en-US" altLang="en-US"/>
               <a:pPr/>
-              <a:t>31</a:t>
+              <a:t>33</a:t>
             </a:fld>
             <a:endParaRPr lang="en-US" altLang="en-US"/>
           </a:p>
@@ -17943,7 +18127,7 @@
 </p:sld>
 </file>
 
-<file path=ppt/slides/slide32.xml><?xml version="1.0" encoding="utf-8"?>
+<file path=ppt/slides/slide34.xml><?xml version="1.0" encoding="utf-8"?>
 <p:sld xmlns:a="http://schemas.openxmlformats.org/drawingml/2006/main" xmlns:r="http://schemas.openxmlformats.org/officeDocument/2006/relationships" xmlns:p="http://schemas.openxmlformats.org/presentationml/2006/main">
   <p:cSld>
     <p:spTree>
@@ -17978,7 +18162,7 @@
             <a:fld id="{5BE4E96C-73DD-4CF6-850D-4945FAFD949B}" type="slidenum">
               <a:rPr lang="en-US" altLang="en-US"/>
               <a:pPr/>
-              <a:t>32</a:t>
+              <a:t>34</a:t>
             </a:fld>
             <a:endParaRPr lang="en-US" altLang="en-US"/>
           </a:p>
@@ -18046,7 +18230,7 @@
 </p:sld>
 </file>
 
-<file path=ppt/slides/slide33.xml><?xml version="1.0" encoding="utf-8"?>
+<file path=ppt/slides/slide35.xml><?xml version="1.0" encoding="utf-8"?>
 <p:sld xmlns:a="http://schemas.openxmlformats.org/drawingml/2006/main" xmlns:r="http://schemas.openxmlformats.org/officeDocument/2006/relationships" xmlns:p="http://schemas.openxmlformats.org/presentationml/2006/main">
   <p:cSld>
     <p:spTree>
@@ -18081,7 +18265,7 @@
             <a:fld id="{C231696E-4A67-4FBF-A6AF-27ABCF39D9A8}" type="slidenum">
               <a:rPr lang="en-US" altLang="en-US"/>
               <a:pPr/>
-              <a:t>33</a:t>
+              <a:t>35</a:t>
             </a:fld>
             <a:endParaRPr lang="en-US" altLang="en-US"/>
           </a:p>
@@ -18149,7 +18333,7 @@
 </p:sld>
 </file>
 
-<file path=ppt/slides/slide34.xml><?xml version="1.0" encoding="utf-8"?>
+<file path=ppt/slides/slide36.xml><?xml version="1.0" encoding="utf-8"?>
 <p:sld xmlns:a="http://schemas.openxmlformats.org/drawingml/2006/main" xmlns:r="http://schemas.openxmlformats.org/officeDocument/2006/relationships" xmlns:p="http://schemas.openxmlformats.org/presentationml/2006/main">
   <p:cSld>
     <p:spTree>
@@ -18184,7 +18368,7 @@
             <a:fld id="{45646E77-F620-4624-9E4B-BF9F8E477597}" type="slidenum">
               <a:rPr lang="en-US" altLang="en-US"/>
               <a:pPr/>
-              <a:t>34</a:t>
+              <a:t>36</a:t>
             </a:fld>
             <a:endParaRPr lang="en-US" altLang="en-US"/>
           </a:p>
@@ -18252,7 +18436,7 @@
 </p:sld>
 </file>
 
-<file path=ppt/slides/slide35.xml><?xml version="1.0" encoding="utf-8"?>
+<file path=ppt/slides/slide37.xml><?xml version="1.0" encoding="utf-8"?>
 <p:sld xmlns:a="http://schemas.openxmlformats.org/drawingml/2006/main" xmlns:r="http://schemas.openxmlformats.org/officeDocument/2006/relationships" xmlns:p="http://schemas.openxmlformats.org/presentationml/2006/main">
   <p:cSld>
     <p:spTree>
@@ -18287,7 +18471,7 @@
             <a:fld id="{9350D57E-AF38-4409-BA5C-6E6DAA32141C}" type="slidenum">
               <a:rPr lang="en-US" altLang="en-US"/>
               <a:pPr/>
-              <a:t>35</a:t>
+              <a:t>37</a:t>
             </a:fld>
             <a:endParaRPr lang="en-US" altLang="en-US"/>
           </a:p>
@@ -18355,7 +18539,7 @@
 </p:sld>
 </file>
 
-<file path=ppt/slides/slide36.xml><?xml version="1.0" encoding="utf-8"?>
+<file path=ppt/slides/slide38.xml><?xml version="1.0" encoding="utf-8"?>
 <p:sld xmlns:a="http://schemas.openxmlformats.org/drawingml/2006/main" xmlns:r="http://schemas.openxmlformats.org/officeDocument/2006/relationships" xmlns:p="http://schemas.openxmlformats.org/presentationml/2006/main">
   <p:cSld>
     <p:spTree>
@@ -18390,7 +18574,7 @@
             <a:fld id="{AD73F661-0F41-4759-8A20-EF6472FD12A5}" type="slidenum">
               <a:rPr lang="en-US" altLang="en-US"/>
               <a:pPr/>
-              <a:t>36</a:t>
+              <a:t>38</a:t>
             </a:fld>
             <a:endParaRPr lang="en-US" altLang="en-US"/>
           </a:p>
@@ -18834,7 +19018,7 @@
 </p:sld>
 </file>
 
-<file path=ppt/slides/slide37.xml><?xml version="1.0" encoding="utf-8"?>
+<file path=ppt/slides/slide39.xml><?xml version="1.0" encoding="utf-8"?>
 <p:sld xmlns:a="http://schemas.openxmlformats.org/drawingml/2006/main" xmlns:r="http://schemas.openxmlformats.org/officeDocument/2006/relationships" xmlns:p="http://schemas.openxmlformats.org/presentationml/2006/main">
   <p:cSld>
     <p:spTree>
@@ -18869,7 +19053,7 @@
             <a:fld id="{B0319DC0-8845-4EF4-A22F-B1FF1E74F082}" type="slidenum">
               <a:rPr lang="en-US" altLang="en-US"/>
               <a:pPr/>
-              <a:t>37</a:t>
+              <a:t>39</a:t>
             </a:fld>
             <a:endParaRPr lang="en-US" altLang="en-US"/>
           </a:p>
@@ -18943,266 +19127,6 @@
     <p:extLst>
       <p:ext uri="{BB962C8B-B14F-4D97-AF65-F5344CB8AC3E}">
         <p14:creationId xmlns:p14="http://schemas.microsoft.com/office/powerpoint/2010/main" val="1539544428"/>
-      </p:ext>
-    </p:extLst>
-  </p:cSld>
-  <p:clrMapOvr>
-    <a:masterClrMapping/>
-  </p:clrMapOvr>
-  <p:timing>
-    <p:tnLst>
-      <p:par>
-        <p:cTn id="1" dur="indefinite" restart="never" nodeType="tmRoot"/>
-      </p:par>
-    </p:tnLst>
-  </p:timing>
-</p:sld>
-</file>
-
-<file path=ppt/slides/slide38.xml><?xml version="1.0" encoding="utf-8"?>
-<p:sld xmlns:a="http://schemas.openxmlformats.org/drawingml/2006/main" xmlns:r="http://schemas.openxmlformats.org/officeDocument/2006/relationships" xmlns:p="http://schemas.openxmlformats.org/presentationml/2006/main">
-  <p:cSld>
-    <p:spTree>
-      <p:nvGrpSpPr>
-        <p:cNvPr id="1" name=""/>
-        <p:cNvGrpSpPr/>
-        <p:nvPr/>
-      </p:nvGrpSpPr>
-      <p:grpSpPr>
-        <a:xfrm>
-          <a:off x="0" y="0"/>
-          <a:ext cx="0" cy="0"/>
-          <a:chOff x="0" y="0"/>
-          <a:chExt cx="0" cy="0"/>
-        </a:xfrm>
-      </p:grpSpPr>
-      <p:sp>
-        <p:nvSpPr>
-          <p:cNvPr id="4" name="Slide Number Placeholder 3"/>
-          <p:cNvSpPr>
-            <a:spLocks noGrp="1"/>
-          </p:cNvSpPr>
-          <p:nvPr>
-            <p:ph type="sldNum" sz="quarter" idx="12"/>
-          </p:nvPr>
-        </p:nvSpPr>
-        <p:spPr/>
-        <p:txBody>
-          <a:bodyPr/>
-          <a:lstStyle/>
-          <a:p>
-            <a:fld id="{3F1D2168-19B1-45BC-890B-C35E33CF69A3}" type="slidenum">
-              <a:rPr lang="en-US" altLang="en-US"/>
-              <a:pPr/>
-              <a:t>38</a:t>
-            </a:fld>
-            <a:endParaRPr lang="en-US" altLang="en-US"/>
-          </a:p>
-        </p:txBody>
-      </p:sp>
-      <p:sp>
-        <p:nvSpPr>
-          <p:cNvPr id="1314818" name="Rectangle 2"/>
-          <p:cNvSpPr>
-            <a:spLocks noGrp="1" noChangeArrowheads="1"/>
-          </p:cNvSpPr>
-          <p:nvPr>
-            <p:ph type="title"/>
-          </p:nvPr>
-        </p:nvSpPr>
-        <p:spPr>
-          <a:xfrm>
-            <a:off x="609600" y="38100"/>
-            <a:ext cx="8424863" cy="1190625"/>
-          </a:xfrm>
-        </p:spPr>
-        <p:txBody>
-          <a:bodyPr/>
-          <a:lstStyle/>
-          <a:p>
-            <a:r>
-              <a:rPr lang="en-US" altLang="en-US"/>
-              <a:t>After Incorporating Ten Ultrasound Scans</a:t>
-            </a:r>
-            <a:endParaRPr lang="de-DE" altLang="en-US"/>
-          </a:p>
-        </p:txBody>
-      </p:sp>
-      <p:pic>
-        <p:nvPicPr>
-          <p:cNvPr id="1314820" name="Picture 4" descr="samples2"/>
-          <p:cNvPicPr>
-            <a:picLocks noChangeAspect="1" noChangeArrowheads="1"/>
-          </p:cNvPicPr>
-          <p:nvPr/>
-        </p:nvPicPr>
-        <p:blipFill>
-          <a:blip r:embed="rId2">
-            <a:extLst>
-              <a:ext uri="{28A0092B-C50C-407E-A947-70E740481C1C}">
-                <a14:useLocalDpi xmlns:a14="http://schemas.microsoft.com/office/drawing/2010/main" val="0"/>
-              </a:ext>
-            </a:extLst>
-          </a:blip>
-          <a:srcRect/>
-          <a:stretch>
-            <a:fillRect/>
-          </a:stretch>
-        </p:blipFill>
-        <p:spPr bwMode="auto">
-          <a:xfrm>
-            <a:off x="1163638" y="1541463"/>
-            <a:ext cx="6535737" cy="4633912"/>
-          </a:xfrm>
-          <a:prstGeom prst="rect">
-            <a:avLst/>
-          </a:prstGeom>
-          <a:noFill/>
-          <a:extLst>
-            <a:ext uri="{909E8E84-426E-40DD-AFC4-6F175D3DCCD1}">
-              <a14:hiddenFill xmlns:a14="http://schemas.microsoft.com/office/drawing/2010/main">
-                <a:solidFill>
-                  <a:srgbClr val="FFFFFF"/>
-                </a:solidFill>
-              </a14:hiddenFill>
-            </a:ext>
-          </a:extLst>
-        </p:spPr>
-      </p:pic>
-    </p:spTree>
-    <p:extLst>
-      <p:ext uri="{BB962C8B-B14F-4D97-AF65-F5344CB8AC3E}">
-        <p14:creationId xmlns:p14="http://schemas.microsoft.com/office/powerpoint/2010/main" val="2847752665"/>
-      </p:ext>
-    </p:extLst>
-  </p:cSld>
-  <p:clrMapOvr>
-    <a:masterClrMapping/>
-  </p:clrMapOvr>
-  <p:timing>
-    <p:tnLst>
-      <p:par>
-        <p:cTn id="1" dur="indefinite" restart="never" nodeType="tmRoot"/>
-      </p:par>
-    </p:tnLst>
-  </p:timing>
-</p:sld>
-</file>
-
-<file path=ppt/slides/slide39.xml><?xml version="1.0" encoding="utf-8"?>
-<p:sld xmlns:a="http://schemas.openxmlformats.org/drawingml/2006/main" xmlns:r="http://schemas.openxmlformats.org/officeDocument/2006/relationships" xmlns:p="http://schemas.openxmlformats.org/presentationml/2006/main">
-  <p:cSld>
-    <p:spTree>
-      <p:nvGrpSpPr>
-        <p:cNvPr id="1" name=""/>
-        <p:cNvGrpSpPr/>
-        <p:nvPr/>
-      </p:nvGrpSpPr>
-      <p:grpSpPr>
-        <a:xfrm>
-          <a:off x="0" y="0"/>
-          <a:ext cx="0" cy="0"/>
-          <a:chOff x="0" y="0"/>
-          <a:chExt cx="0" cy="0"/>
-        </a:xfrm>
-      </p:grpSpPr>
-      <p:sp>
-        <p:nvSpPr>
-          <p:cNvPr id="4" name="Slide Number Placeholder 3"/>
-          <p:cNvSpPr>
-            <a:spLocks noGrp="1"/>
-          </p:cNvSpPr>
-          <p:nvPr>
-            <p:ph type="sldNum" sz="quarter" idx="12"/>
-          </p:nvPr>
-        </p:nvSpPr>
-        <p:spPr/>
-        <p:txBody>
-          <a:bodyPr/>
-          <a:lstStyle/>
-          <a:p>
-            <a:fld id="{5BE2D546-B2C5-49FD-9B8C-396082B4C9F3}" type="slidenum">
-              <a:rPr lang="en-US" altLang="en-US"/>
-              <a:pPr/>
-              <a:t>39</a:t>
-            </a:fld>
-            <a:endParaRPr lang="en-US" altLang="en-US"/>
-          </a:p>
-        </p:txBody>
-      </p:sp>
-      <p:pic>
-        <p:nvPicPr>
-          <p:cNvPr id="1316868" name="Picture 4" descr="samples3"/>
-          <p:cNvPicPr>
-            <a:picLocks noChangeAspect="1" noChangeArrowheads="1"/>
-          </p:cNvPicPr>
-          <p:nvPr/>
-        </p:nvPicPr>
-        <p:blipFill>
-          <a:blip r:embed="rId2">
-            <a:extLst>
-              <a:ext uri="{28A0092B-C50C-407E-A947-70E740481C1C}">
-                <a14:useLocalDpi xmlns:a14="http://schemas.microsoft.com/office/drawing/2010/main" val="0"/>
-              </a:ext>
-            </a:extLst>
-          </a:blip>
-          <a:srcRect/>
-          <a:stretch>
-            <a:fillRect/>
-          </a:stretch>
-        </p:blipFill>
-        <p:spPr bwMode="auto">
-          <a:xfrm>
-            <a:off x="1160463" y="1558925"/>
-            <a:ext cx="6500812" cy="4608513"/>
-          </a:xfrm>
-          <a:prstGeom prst="rect">
-            <a:avLst/>
-          </a:prstGeom>
-          <a:noFill/>
-          <a:extLst>
-            <a:ext uri="{909E8E84-426E-40DD-AFC4-6F175D3DCCD1}">
-              <a14:hiddenFill xmlns:a14="http://schemas.microsoft.com/office/drawing/2010/main">
-                <a:solidFill>
-                  <a:srgbClr val="FFFFFF"/>
-                </a:solidFill>
-              </a14:hiddenFill>
-            </a:ext>
-          </a:extLst>
-        </p:spPr>
-      </p:pic>
-      <p:sp>
-        <p:nvSpPr>
-          <p:cNvPr id="1316866" name="Rectangle 2"/>
-          <p:cNvSpPr>
-            <a:spLocks noGrp="1" noChangeArrowheads="1"/>
-          </p:cNvSpPr>
-          <p:nvPr>
-            <p:ph type="title"/>
-          </p:nvPr>
-        </p:nvSpPr>
-        <p:spPr>
-          <a:xfrm>
-            <a:off x="609600" y="38100"/>
-            <a:ext cx="8424863" cy="1190625"/>
-          </a:xfrm>
-        </p:spPr>
-        <p:txBody>
-          <a:bodyPr/>
-          <a:lstStyle/>
-          <a:p>
-            <a:r>
-              <a:rPr lang="en-US" altLang="en-US"/>
-              <a:t>After Incorporating 65 Ultrasound Scans</a:t>
-            </a:r>
-            <a:endParaRPr lang="de-DE" altLang="en-US"/>
-          </a:p>
-        </p:txBody>
-      </p:sp>
-    </p:spTree>
-    <p:extLst>
-      <p:ext uri="{BB962C8B-B14F-4D97-AF65-F5344CB8AC3E}">
-        <p14:creationId xmlns:p14="http://schemas.microsoft.com/office/powerpoint/2010/main" val="3686171518"/>
       </p:ext>
     </p:extLst>
   </p:cSld>
@@ -19416,10 +19340,270 @@
           <a:bodyPr/>
           <a:lstStyle/>
           <a:p>
+            <a:fld id="{3F1D2168-19B1-45BC-890B-C35E33CF69A3}" type="slidenum">
+              <a:rPr lang="en-US" altLang="en-US"/>
+              <a:pPr/>
+              <a:t>40</a:t>
+            </a:fld>
+            <a:endParaRPr lang="en-US" altLang="en-US"/>
+          </a:p>
+        </p:txBody>
+      </p:sp>
+      <p:sp>
+        <p:nvSpPr>
+          <p:cNvPr id="1314818" name="Rectangle 2"/>
+          <p:cNvSpPr>
+            <a:spLocks noGrp="1" noChangeArrowheads="1"/>
+          </p:cNvSpPr>
+          <p:nvPr>
+            <p:ph type="title"/>
+          </p:nvPr>
+        </p:nvSpPr>
+        <p:spPr>
+          <a:xfrm>
+            <a:off x="609600" y="38100"/>
+            <a:ext cx="8424863" cy="1190625"/>
+          </a:xfrm>
+        </p:spPr>
+        <p:txBody>
+          <a:bodyPr/>
+          <a:lstStyle/>
+          <a:p>
+            <a:r>
+              <a:rPr lang="en-US" altLang="en-US"/>
+              <a:t>After Incorporating Ten Ultrasound Scans</a:t>
+            </a:r>
+            <a:endParaRPr lang="de-DE" altLang="en-US"/>
+          </a:p>
+        </p:txBody>
+      </p:sp>
+      <p:pic>
+        <p:nvPicPr>
+          <p:cNvPr id="1314820" name="Picture 4" descr="samples2"/>
+          <p:cNvPicPr>
+            <a:picLocks noChangeAspect="1" noChangeArrowheads="1"/>
+          </p:cNvPicPr>
+          <p:nvPr/>
+        </p:nvPicPr>
+        <p:blipFill>
+          <a:blip r:embed="rId2">
+            <a:extLst>
+              <a:ext uri="{28A0092B-C50C-407E-A947-70E740481C1C}">
+                <a14:useLocalDpi xmlns:a14="http://schemas.microsoft.com/office/drawing/2010/main" val="0"/>
+              </a:ext>
+            </a:extLst>
+          </a:blip>
+          <a:srcRect/>
+          <a:stretch>
+            <a:fillRect/>
+          </a:stretch>
+        </p:blipFill>
+        <p:spPr bwMode="auto">
+          <a:xfrm>
+            <a:off x="1163638" y="1541463"/>
+            <a:ext cx="6535737" cy="4633912"/>
+          </a:xfrm>
+          <a:prstGeom prst="rect">
+            <a:avLst/>
+          </a:prstGeom>
+          <a:noFill/>
+          <a:extLst>
+            <a:ext uri="{909E8E84-426E-40DD-AFC4-6F175D3DCCD1}">
+              <a14:hiddenFill xmlns:a14="http://schemas.microsoft.com/office/drawing/2010/main">
+                <a:solidFill>
+                  <a:srgbClr val="FFFFFF"/>
+                </a:solidFill>
+              </a14:hiddenFill>
+            </a:ext>
+          </a:extLst>
+        </p:spPr>
+      </p:pic>
+    </p:spTree>
+    <p:extLst>
+      <p:ext uri="{BB962C8B-B14F-4D97-AF65-F5344CB8AC3E}">
+        <p14:creationId xmlns:p14="http://schemas.microsoft.com/office/powerpoint/2010/main" val="2847752665"/>
+      </p:ext>
+    </p:extLst>
+  </p:cSld>
+  <p:clrMapOvr>
+    <a:masterClrMapping/>
+  </p:clrMapOvr>
+  <p:timing>
+    <p:tnLst>
+      <p:par>
+        <p:cTn id="1" dur="indefinite" restart="never" nodeType="tmRoot"/>
+      </p:par>
+    </p:tnLst>
+  </p:timing>
+</p:sld>
+</file>
+
+<file path=ppt/slides/slide41.xml><?xml version="1.0" encoding="utf-8"?>
+<p:sld xmlns:a="http://schemas.openxmlformats.org/drawingml/2006/main" xmlns:r="http://schemas.openxmlformats.org/officeDocument/2006/relationships" xmlns:p="http://schemas.openxmlformats.org/presentationml/2006/main">
+  <p:cSld>
+    <p:spTree>
+      <p:nvGrpSpPr>
+        <p:cNvPr id="1" name=""/>
+        <p:cNvGrpSpPr/>
+        <p:nvPr/>
+      </p:nvGrpSpPr>
+      <p:grpSpPr>
+        <a:xfrm>
+          <a:off x="0" y="0"/>
+          <a:ext cx="0" cy="0"/>
+          <a:chOff x="0" y="0"/>
+          <a:chExt cx="0" cy="0"/>
+        </a:xfrm>
+      </p:grpSpPr>
+      <p:sp>
+        <p:nvSpPr>
+          <p:cNvPr id="4" name="Slide Number Placeholder 3"/>
+          <p:cNvSpPr>
+            <a:spLocks noGrp="1"/>
+          </p:cNvSpPr>
+          <p:nvPr>
+            <p:ph type="sldNum" sz="quarter" idx="12"/>
+          </p:nvPr>
+        </p:nvSpPr>
+        <p:spPr/>
+        <p:txBody>
+          <a:bodyPr/>
+          <a:lstStyle/>
+          <a:p>
+            <a:fld id="{5BE2D546-B2C5-49FD-9B8C-396082B4C9F3}" type="slidenum">
+              <a:rPr lang="en-US" altLang="en-US"/>
+              <a:pPr/>
+              <a:t>41</a:t>
+            </a:fld>
+            <a:endParaRPr lang="en-US" altLang="en-US"/>
+          </a:p>
+        </p:txBody>
+      </p:sp>
+      <p:pic>
+        <p:nvPicPr>
+          <p:cNvPr id="1316868" name="Picture 4" descr="samples3"/>
+          <p:cNvPicPr>
+            <a:picLocks noChangeAspect="1" noChangeArrowheads="1"/>
+          </p:cNvPicPr>
+          <p:nvPr/>
+        </p:nvPicPr>
+        <p:blipFill>
+          <a:blip r:embed="rId2">
+            <a:extLst>
+              <a:ext uri="{28A0092B-C50C-407E-A947-70E740481C1C}">
+                <a14:useLocalDpi xmlns:a14="http://schemas.microsoft.com/office/drawing/2010/main" val="0"/>
+              </a:ext>
+            </a:extLst>
+          </a:blip>
+          <a:srcRect/>
+          <a:stretch>
+            <a:fillRect/>
+          </a:stretch>
+        </p:blipFill>
+        <p:spPr bwMode="auto">
+          <a:xfrm>
+            <a:off x="1160463" y="1558925"/>
+            <a:ext cx="6500812" cy="4608513"/>
+          </a:xfrm>
+          <a:prstGeom prst="rect">
+            <a:avLst/>
+          </a:prstGeom>
+          <a:noFill/>
+          <a:extLst>
+            <a:ext uri="{909E8E84-426E-40DD-AFC4-6F175D3DCCD1}">
+              <a14:hiddenFill xmlns:a14="http://schemas.microsoft.com/office/drawing/2010/main">
+                <a:solidFill>
+                  <a:srgbClr val="FFFFFF"/>
+                </a:solidFill>
+              </a14:hiddenFill>
+            </a:ext>
+          </a:extLst>
+        </p:spPr>
+      </p:pic>
+      <p:sp>
+        <p:nvSpPr>
+          <p:cNvPr id="1316866" name="Rectangle 2"/>
+          <p:cNvSpPr>
+            <a:spLocks noGrp="1" noChangeArrowheads="1"/>
+          </p:cNvSpPr>
+          <p:nvPr>
+            <p:ph type="title"/>
+          </p:nvPr>
+        </p:nvSpPr>
+        <p:spPr>
+          <a:xfrm>
+            <a:off x="609600" y="38100"/>
+            <a:ext cx="8424863" cy="1190625"/>
+          </a:xfrm>
+        </p:spPr>
+        <p:txBody>
+          <a:bodyPr/>
+          <a:lstStyle/>
+          <a:p>
+            <a:r>
+              <a:rPr lang="en-US" altLang="en-US"/>
+              <a:t>After Incorporating 65 Ultrasound Scans</a:t>
+            </a:r>
+            <a:endParaRPr lang="de-DE" altLang="en-US"/>
+          </a:p>
+        </p:txBody>
+      </p:sp>
+    </p:spTree>
+    <p:extLst>
+      <p:ext uri="{BB962C8B-B14F-4D97-AF65-F5344CB8AC3E}">
+        <p14:creationId xmlns:p14="http://schemas.microsoft.com/office/powerpoint/2010/main" val="3686171518"/>
+      </p:ext>
+    </p:extLst>
+  </p:cSld>
+  <p:clrMapOvr>
+    <a:masterClrMapping/>
+  </p:clrMapOvr>
+  <p:timing>
+    <p:tnLst>
+      <p:par>
+        <p:cTn id="1" dur="indefinite" restart="never" nodeType="tmRoot"/>
+      </p:par>
+    </p:tnLst>
+  </p:timing>
+</p:sld>
+</file>
+
+<file path=ppt/slides/slide42.xml><?xml version="1.0" encoding="utf-8"?>
+<p:sld xmlns:a="http://schemas.openxmlformats.org/drawingml/2006/main" xmlns:r="http://schemas.openxmlformats.org/officeDocument/2006/relationships" xmlns:p="http://schemas.openxmlformats.org/presentationml/2006/main">
+  <p:cSld>
+    <p:spTree>
+      <p:nvGrpSpPr>
+        <p:cNvPr id="1" name=""/>
+        <p:cNvGrpSpPr/>
+        <p:nvPr/>
+      </p:nvGrpSpPr>
+      <p:grpSpPr>
+        <a:xfrm>
+          <a:off x="0" y="0"/>
+          <a:ext cx="0" cy="0"/>
+          <a:chOff x="0" y="0"/>
+          <a:chExt cx="0" cy="0"/>
+        </a:xfrm>
+      </p:grpSpPr>
+      <p:sp>
+        <p:nvSpPr>
+          <p:cNvPr id="4" name="Slide Number Placeholder 3"/>
+          <p:cNvSpPr>
+            <a:spLocks noGrp="1"/>
+          </p:cNvSpPr>
+          <p:nvPr>
+            <p:ph type="sldNum" sz="quarter" idx="12"/>
+          </p:nvPr>
+        </p:nvSpPr>
+        <p:spPr/>
+        <p:txBody>
+          <a:bodyPr/>
+          <a:lstStyle/>
+          <a:p>
             <a:fld id="{8D91DE66-DC20-47DD-837E-BCFAC3B5E0E1}" type="slidenum">
               <a:rPr lang="en-US" altLang="en-US"/>
               <a:pPr/>
-              <a:t>40</a:t>
+              <a:t>42</a:t>
             </a:fld>
             <a:endParaRPr lang="en-US" altLang="en-US"/>
           </a:p>
@@ -19514,7 +19698,7 @@
 </p:sld>
 </file>
 
-<file path=ppt/slides/slide41.xml><?xml version="1.0" encoding="utf-8"?>
+<file path=ppt/slides/slide43.xml><?xml version="1.0" encoding="utf-8"?>
 <p:sld xmlns:a="http://schemas.openxmlformats.org/drawingml/2006/main" xmlns:r="http://schemas.openxmlformats.org/officeDocument/2006/relationships" xmlns:p="http://schemas.openxmlformats.org/presentationml/2006/main">
   <p:cSld>
     <p:spTree>
@@ -20262,7 +20446,7 @@
           <a:graphicData uri="http://schemas.openxmlformats.org/presentationml/2006/ole">
             <mc:AlternateContent xmlns:mc="http://schemas.openxmlformats.org/markup-compatibility/2006">
               <mc:Choice xmlns:v="urn:schemas-microsoft-com:vml" Requires="v">
-                <p:oleObj spid="_x0000_s1030" name="Equation" r:id="rId3" imgW="2920680" imgH="660240" progId="Equation.3">
+                <p:oleObj spid="_x0000_s1037" name="Equation" r:id="rId3" imgW="2920680" imgH="660240" progId="Equation.3">
                   <p:embed/>
                 </p:oleObj>
               </mc:Choice>
@@ -20794,7 +20978,7 @@
           <a:graphicData uri="http://schemas.openxmlformats.org/presentationml/2006/ole">
             <mc:AlternateContent xmlns:mc="http://schemas.openxmlformats.org/markup-compatibility/2006">
               <mc:Choice xmlns:v="urn:schemas-microsoft-com:vml" Requires="v">
-                <p:oleObj spid="_x0000_s2057" name="Equation" r:id="rId4" imgW="2400120" imgH="279360" progId="Equation.3">
+                <p:oleObj spid="_x0000_s2064" name="Equation" r:id="rId4" imgW="2400120" imgH="279360" progId="Equation.3">
                   <p:embed/>
                 </p:oleObj>
               </mc:Choice>
